--- a/CS310 - Software Engineering/Ch8 - updated.pptx
+++ b/CS310 - Software Engineering/Ch8 - updated.pptx
@@ -152,7 +152,7 @@
   </p:defaultTextStyle>
   <p:extLst>
     <p:ext uri="{EFAFB233-063F-42B5-8137-9DF3F51BA10A}">
-      <p15:sldGuideLst xmlns:p15="http://schemas.microsoft.com/office/powerpoint/2012/main" xmlns="">
+      <p15:sldGuideLst xmlns:p15="http://schemas.microsoft.com/office/powerpoint/2012/main">
         <p15:guide id="1" orient="horz" pos="2160">
           <p15:clr>
             <a:srgbClr val="A4A3A4"/>
@@ -252,7 +252,7 @@
             <a:fld id="{2B92EF69-4580-D948-9358-37D6C6E355D3}" type="datetimeFigureOut">
               <a:rPr lang="en-US" smtClean="0"/>
               <a:pPr/>
-              <a:t>4/6/2019</a:t>
+              <a:t>7/19/2019</a:t>
             </a:fld>
             <a:endParaRPr lang="en-US"/>
           </a:p>
@@ -420,7 +420,7 @@
             <a:fld id="{A2AF659B-3BFD-7C4F-8593-16CDDE7417A4}" type="datetimeFigureOut">
               <a:rPr lang="en-US" smtClean="0"/>
               <a:pPr/>
-              <a:t>4/6/2019</a:t>
+              <a:t>7/19/2019</a:t>
             </a:fld>
             <a:endParaRPr lang="en-US"/>
           </a:p>
@@ -486,35 +486,35 @@
           <a:p>
             <a:pPr lvl="0"/>
             <a:r>
-              <a:rPr lang="en-GB" smtClean="0"/>
+              <a:rPr lang="en-GB"/>
               <a:t>Click to edit Master text styles</a:t>
             </a:r>
           </a:p>
           <a:p>
             <a:pPr lvl="1"/>
             <a:r>
-              <a:rPr lang="en-GB" smtClean="0"/>
+              <a:rPr lang="en-GB"/>
               <a:t>Second level</a:t>
             </a:r>
           </a:p>
           <a:p>
             <a:pPr lvl="2"/>
             <a:r>
-              <a:rPr lang="en-GB" smtClean="0"/>
+              <a:rPr lang="en-GB"/>
               <a:t>Third level</a:t>
             </a:r>
           </a:p>
           <a:p>
             <a:pPr lvl="3"/>
             <a:r>
-              <a:rPr lang="en-GB" smtClean="0"/>
+              <a:rPr lang="en-GB"/>
               <a:t>Fourth level</a:t>
             </a:r>
           </a:p>
           <a:p>
             <a:pPr lvl="4"/>
             <a:r>
-              <a:rPr lang="en-GB" smtClean="0"/>
+              <a:rPr lang="en-GB"/>
               <a:t>Fifth level</a:t>
             </a:r>
             <a:endParaRPr lang="en-US"/>
@@ -860,7 +860,7 @@
           <a:lstStyle/>
           <a:p>
             <a:r>
-              <a:rPr lang="en-US" smtClean="0"/>
+              <a:rPr lang="en-US"/>
               <a:t>Click to edit Master title style</a:t>
             </a:r>
             <a:endParaRPr lang="en-CA"/>
@@ -979,7 +979,7 @@
           </a:lstStyle>
           <a:p>
             <a:r>
-              <a:rPr lang="en-US" smtClean="0"/>
+              <a:rPr lang="en-US"/>
               <a:t>Click to edit Master subtitle style</a:t>
             </a:r>
             <a:endParaRPr lang="en-CA"/>
@@ -1010,7 +1010,7 @@
                 </a:solidFill>
               </a:rPr>
               <a:pPr/>
-              <a:t>4/6/2019</a:t>
+              <a:t>7/19/2019</a:t>
             </a:fld>
             <a:endParaRPr lang="en-US">
               <a:solidFill>
@@ -1038,7 +1038,7 @@
           <a:lstStyle/>
           <a:p>
             <a:r>
-              <a:rPr lang="en-US" smtClean="0">
+              <a:rPr lang="en-US">
                 <a:solidFill>
                   <a:prstClr val="black">
                     <a:tint val="75000"/>
@@ -1047,13 +1047,6 @@
               </a:rPr>
               <a:t>Chapter 6 Architectural design</a:t>
             </a:r>
-            <a:endParaRPr lang="en-US">
-              <a:solidFill>
-                <a:prstClr val="black">
-                  <a:tint val="75000"/>
-                </a:prstClr>
-              </a:solidFill>
-            </a:endParaRPr>
           </a:p>
         </p:txBody>
       </p:sp>
@@ -1139,7 +1132,7 @@
           <a:lstStyle/>
           <a:p>
             <a:r>
-              <a:rPr lang="en-US" smtClean="0"/>
+              <a:rPr lang="en-US"/>
               <a:t>Click to edit Master title style</a:t>
             </a:r>
             <a:endParaRPr lang="en-CA"/>
@@ -1163,35 +1156,35 @@
           <a:p>
             <a:pPr lvl="0"/>
             <a:r>
-              <a:rPr lang="en-US" smtClean="0"/>
+              <a:rPr lang="en-US"/>
               <a:t>Click to edit Master text styles</a:t>
             </a:r>
           </a:p>
           <a:p>
             <a:pPr lvl="1"/>
             <a:r>
-              <a:rPr lang="en-US" smtClean="0"/>
+              <a:rPr lang="en-US"/>
               <a:t>Second level</a:t>
             </a:r>
           </a:p>
           <a:p>
             <a:pPr lvl="2"/>
             <a:r>
-              <a:rPr lang="en-US" smtClean="0"/>
+              <a:rPr lang="en-US"/>
               <a:t>Third level</a:t>
             </a:r>
           </a:p>
           <a:p>
             <a:pPr lvl="3"/>
             <a:r>
-              <a:rPr lang="en-US" smtClean="0"/>
+              <a:rPr lang="en-US"/>
               <a:t>Fourth level</a:t>
             </a:r>
           </a:p>
           <a:p>
             <a:pPr lvl="4"/>
             <a:r>
-              <a:rPr lang="en-US" smtClean="0"/>
+              <a:rPr lang="en-US"/>
               <a:t>Fifth level</a:t>
             </a:r>
             <a:endParaRPr lang="en-CA"/>
@@ -1222,7 +1215,7 @@
                 </a:solidFill>
               </a:rPr>
               <a:pPr/>
-              <a:t>4/6/2019</a:t>
+              <a:t>7/19/2019</a:t>
             </a:fld>
             <a:endParaRPr lang="en-US">
               <a:solidFill>
@@ -1250,7 +1243,7 @@
           <a:lstStyle/>
           <a:p>
             <a:r>
-              <a:rPr lang="en-US" smtClean="0">
+              <a:rPr lang="en-US">
                 <a:solidFill>
                   <a:prstClr val="black">
                     <a:tint val="75000"/>
@@ -1259,13 +1252,6 @@
               </a:rPr>
               <a:t>Chapter 6 Architectural design</a:t>
             </a:r>
-            <a:endParaRPr lang="en-US">
-              <a:solidFill>
-                <a:prstClr val="black">
-                  <a:tint val="75000"/>
-                </a:prstClr>
-              </a:solidFill>
-            </a:endParaRPr>
           </a:p>
         </p:txBody>
       </p:sp>
@@ -1356,7 +1342,7 @@
           <a:lstStyle/>
           <a:p>
             <a:r>
-              <a:rPr lang="en-US" smtClean="0"/>
+              <a:rPr lang="en-US"/>
               <a:t>Click to edit Master title style</a:t>
             </a:r>
             <a:endParaRPr lang="en-CA"/>
@@ -1385,35 +1371,35 @@
           <a:p>
             <a:pPr lvl="0"/>
             <a:r>
-              <a:rPr lang="en-US" smtClean="0"/>
+              <a:rPr lang="en-US"/>
               <a:t>Click to edit Master text styles</a:t>
             </a:r>
           </a:p>
           <a:p>
             <a:pPr lvl="1"/>
             <a:r>
-              <a:rPr lang="en-US" smtClean="0"/>
+              <a:rPr lang="en-US"/>
               <a:t>Second level</a:t>
             </a:r>
           </a:p>
           <a:p>
             <a:pPr lvl="2"/>
             <a:r>
-              <a:rPr lang="en-US" smtClean="0"/>
+              <a:rPr lang="en-US"/>
               <a:t>Third level</a:t>
             </a:r>
           </a:p>
           <a:p>
             <a:pPr lvl="3"/>
             <a:r>
-              <a:rPr lang="en-US" smtClean="0"/>
+              <a:rPr lang="en-US"/>
               <a:t>Fourth level</a:t>
             </a:r>
           </a:p>
           <a:p>
             <a:pPr lvl="4"/>
             <a:r>
-              <a:rPr lang="en-US" smtClean="0"/>
+              <a:rPr lang="en-US"/>
               <a:t>Fifth level</a:t>
             </a:r>
             <a:endParaRPr lang="en-CA"/>
@@ -1444,7 +1430,7 @@
                 </a:solidFill>
               </a:rPr>
               <a:pPr/>
-              <a:t>4/6/2019</a:t>
+              <a:t>7/19/2019</a:t>
             </a:fld>
             <a:endParaRPr lang="en-US">
               <a:solidFill>
@@ -1472,7 +1458,7 @@
           <a:lstStyle/>
           <a:p>
             <a:r>
-              <a:rPr lang="en-US" smtClean="0">
+              <a:rPr lang="en-US">
                 <a:solidFill>
                   <a:prstClr val="black">
                     <a:tint val="75000"/>
@@ -1481,13 +1467,6 @@
               </a:rPr>
               <a:t>Chapter 6 Architectural design</a:t>
             </a:r>
-            <a:endParaRPr lang="en-US">
-              <a:solidFill>
-                <a:prstClr val="black">
-                  <a:tint val="75000"/>
-                </a:prstClr>
-              </a:solidFill>
-            </a:endParaRPr>
           </a:p>
         </p:txBody>
       </p:sp>
@@ -1579,7 +1558,7 @@
           </a:lstStyle>
           <a:p>
             <a:r>
-              <a:rPr lang="en-US" smtClean="0"/>
+              <a:rPr lang="en-US"/>
               <a:t>Click to edit Master title style</a:t>
             </a:r>
             <a:endParaRPr lang="en-CA"/>
@@ -1621,35 +1600,35 @@
           <a:p>
             <a:pPr lvl="0"/>
             <a:r>
-              <a:rPr lang="en-US" smtClean="0"/>
+              <a:rPr lang="en-US"/>
               <a:t>Click to edit Master text styles</a:t>
             </a:r>
           </a:p>
           <a:p>
             <a:pPr lvl="1"/>
             <a:r>
-              <a:rPr lang="en-US" smtClean="0"/>
+              <a:rPr lang="en-US"/>
               <a:t>Second level</a:t>
             </a:r>
           </a:p>
           <a:p>
             <a:pPr lvl="2"/>
             <a:r>
-              <a:rPr lang="en-US" smtClean="0"/>
+              <a:rPr lang="en-US"/>
               <a:t>Third level</a:t>
             </a:r>
           </a:p>
           <a:p>
             <a:pPr lvl="3"/>
             <a:r>
-              <a:rPr lang="en-US" smtClean="0"/>
+              <a:rPr lang="en-US"/>
               <a:t>Fourth level</a:t>
             </a:r>
           </a:p>
           <a:p>
             <a:pPr lvl="4"/>
             <a:r>
-              <a:rPr lang="en-US" smtClean="0"/>
+              <a:rPr lang="en-US"/>
               <a:t>Fifth level</a:t>
             </a:r>
             <a:endParaRPr lang="en-CA"/>
@@ -1680,7 +1659,7 @@
                 </a:solidFill>
               </a:rPr>
               <a:pPr/>
-              <a:t>4/6/2019</a:t>
+              <a:t>7/19/2019</a:t>
             </a:fld>
             <a:endParaRPr lang="en-US">
               <a:solidFill>
@@ -1708,7 +1687,7 @@
           <a:lstStyle/>
           <a:p>
             <a:r>
-              <a:rPr lang="en-US" smtClean="0">
+              <a:rPr lang="en-US">
                 <a:solidFill>
                   <a:prstClr val="black">
                     <a:tint val="75000"/>
@@ -1717,13 +1696,6 @@
               </a:rPr>
               <a:t>Chapter 6 Architectural design</a:t>
             </a:r>
-            <a:endParaRPr lang="en-US">
-              <a:solidFill>
-                <a:prstClr val="black">
-                  <a:tint val="75000"/>
-                </a:prstClr>
-              </a:solidFill>
-            </a:endParaRPr>
           </a:p>
         </p:txBody>
       </p:sp>
@@ -1818,7 +1790,7 @@
           </a:lstStyle>
           <a:p>
             <a:r>
-              <a:rPr lang="en-US" smtClean="0"/>
+              <a:rPr lang="en-US"/>
               <a:t>Click to edit Master title style</a:t>
             </a:r>
             <a:endParaRPr lang="en-CA"/>
@@ -1938,7 +1910,7 @@
           <a:p>
             <a:pPr lvl="0"/>
             <a:r>
-              <a:rPr lang="en-US" smtClean="0"/>
+              <a:rPr lang="en-US"/>
               <a:t>Click to edit Master text styles</a:t>
             </a:r>
           </a:p>
@@ -1968,7 +1940,7 @@
                 </a:solidFill>
               </a:rPr>
               <a:pPr/>
-              <a:t>4/6/2019</a:t>
+              <a:t>7/19/2019</a:t>
             </a:fld>
             <a:endParaRPr lang="en-US">
               <a:solidFill>
@@ -1996,7 +1968,7 @@
           <a:lstStyle/>
           <a:p>
             <a:r>
-              <a:rPr lang="en-US" smtClean="0">
+              <a:rPr lang="en-US">
                 <a:solidFill>
                   <a:prstClr val="black">
                     <a:tint val="75000"/>
@@ -2005,13 +1977,6 @@
               </a:rPr>
               <a:t>Chapter 6 Architectural design</a:t>
             </a:r>
-            <a:endParaRPr lang="en-US">
-              <a:solidFill>
-                <a:prstClr val="black">
-                  <a:tint val="75000"/>
-                </a:prstClr>
-              </a:solidFill>
-            </a:endParaRPr>
           </a:p>
         </p:txBody>
       </p:sp>
@@ -2097,7 +2062,7 @@
           <a:lstStyle/>
           <a:p>
             <a:r>
-              <a:rPr lang="en-US" smtClean="0"/>
+              <a:rPr lang="en-US"/>
               <a:t>Click to edit Master title style</a:t>
             </a:r>
             <a:endParaRPr lang="en-CA"/>
@@ -2154,35 +2119,35 @@
           <a:p>
             <a:pPr lvl="0"/>
             <a:r>
-              <a:rPr lang="en-US" smtClean="0"/>
+              <a:rPr lang="en-US"/>
               <a:t>Click to edit Master text styles</a:t>
             </a:r>
           </a:p>
           <a:p>
             <a:pPr lvl="1"/>
             <a:r>
-              <a:rPr lang="en-US" smtClean="0"/>
+              <a:rPr lang="en-US"/>
               <a:t>Second level</a:t>
             </a:r>
           </a:p>
           <a:p>
             <a:pPr lvl="2"/>
             <a:r>
-              <a:rPr lang="en-US" smtClean="0"/>
+              <a:rPr lang="en-US"/>
               <a:t>Third level</a:t>
             </a:r>
           </a:p>
           <a:p>
             <a:pPr lvl="3"/>
             <a:r>
-              <a:rPr lang="en-US" smtClean="0"/>
+              <a:rPr lang="en-US"/>
               <a:t>Fourth level</a:t>
             </a:r>
           </a:p>
           <a:p>
             <a:pPr lvl="4"/>
             <a:r>
-              <a:rPr lang="en-US" smtClean="0"/>
+              <a:rPr lang="en-US"/>
               <a:t>Fifth level</a:t>
             </a:r>
             <a:endParaRPr lang="en-CA"/>
@@ -2239,35 +2204,35 @@
           <a:p>
             <a:pPr lvl="0"/>
             <a:r>
-              <a:rPr lang="en-US" smtClean="0"/>
+              <a:rPr lang="en-US"/>
               <a:t>Click to edit Master text styles</a:t>
             </a:r>
           </a:p>
           <a:p>
             <a:pPr lvl="1"/>
             <a:r>
-              <a:rPr lang="en-US" smtClean="0"/>
+              <a:rPr lang="en-US"/>
               <a:t>Second level</a:t>
             </a:r>
           </a:p>
           <a:p>
             <a:pPr lvl="2"/>
             <a:r>
-              <a:rPr lang="en-US" smtClean="0"/>
+              <a:rPr lang="en-US"/>
               <a:t>Third level</a:t>
             </a:r>
           </a:p>
           <a:p>
             <a:pPr lvl="3"/>
             <a:r>
-              <a:rPr lang="en-US" smtClean="0"/>
+              <a:rPr lang="en-US"/>
               <a:t>Fourth level</a:t>
             </a:r>
           </a:p>
           <a:p>
             <a:pPr lvl="4"/>
             <a:r>
-              <a:rPr lang="en-US" smtClean="0"/>
+              <a:rPr lang="en-US"/>
               <a:t>Fifth level</a:t>
             </a:r>
             <a:endParaRPr lang="en-CA"/>
@@ -2298,7 +2263,7 @@
                 </a:solidFill>
               </a:rPr>
               <a:pPr/>
-              <a:t>4/6/2019</a:t>
+              <a:t>7/19/2019</a:t>
             </a:fld>
             <a:endParaRPr lang="en-US">
               <a:solidFill>
@@ -2326,7 +2291,7 @@
           <a:lstStyle/>
           <a:p>
             <a:r>
-              <a:rPr lang="en-US" smtClean="0">
+              <a:rPr lang="en-US">
                 <a:solidFill>
                   <a:prstClr val="black">
                     <a:tint val="75000"/>
@@ -2335,13 +2300,6 @@
               </a:rPr>
               <a:t>Chapter 6 Architectural design</a:t>
             </a:r>
-            <a:endParaRPr lang="en-US">
-              <a:solidFill>
-                <a:prstClr val="black">
-                  <a:tint val="75000"/>
-                </a:prstClr>
-              </a:solidFill>
-            </a:endParaRPr>
           </a:p>
         </p:txBody>
       </p:sp>
@@ -2431,7 +2389,7 @@
           </a:lstStyle>
           <a:p>
             <a:r>
-              <a:rPr lang="en-US" smtClean="0"/>
+              <a:rPr lang="en-US"/>
               <a:t>Click to edit Master title style</a:t>
             </a:r>
             <a:endParaRPr lang="en-CA"/>
@@ -2497,7 +2455,7 @@
           <a:p>
             <a:pPr lvl="0"/>
             <a:r>
-              <a:rPr lang="en-US" smtClean="0"/>
+              <a:rPr lang="en-US"/>
               <a:t>Click to edit Master text styles</a:t>
             </a:r>
           </a:p>
@@ -2553,35 +2511,35 @@
           <a:p>
             <a:pPr lvl="0"/>
             <a:r>
-              <a:rPr lang="en-US" smtClean="0"/>
+              <a:rPr lang="en-US"/>
               <a:t>Click to edit Master text styles</a:t>
             </a:r>
           </a:p>
           <a:p>
             <a:pPr lvl="1"/>
             <a:r>
-              <a:rPr lang="en-US" smtClean="0"/>
+              <a:rPr lang="en-US"/>
               <a:t>Second level</a:t>
             </a:r>
           </a:p>
           <a:p>
             <a:pPr lvl="2"/>
             <a:r>
-              <a:rPr lang="en-US" smtClean="0"/>
+              <a:rPr lang="en-US"/>
               <a:t>Third level</a:t>
             </a:r>
           </a:p>
           <a:p>
             <a:pPr lvl="3"/>
             <a:r>
-              <a:rPr lang="en-US" smtClean="0"/>
+              <a:rPr lang="en-US"/>
               <a:t>Fourth level</a:t>
             </a:r>
           </a:p>
           <a:p>
             <a:pPr lvl="4"/>
             <a:r>
-              <a:rPr lang="en-US" smtClean="0"/>
+              <a:rPr lang="en-US"/>
               <a:t>Fifth level</a:t>
             </a:r>
             <a:endParaRPr lang="en-CA"/>
@@ -2647,7 +2605,7 @@
           <a:p>
             <a:pPr lvl="0"/>
             <a:r>
-              <a:rPr lang="en-US" smtClean="0"/>
+              <a:rPr lang="en-US"/>
               <a:t>Click to edit Master text styles</a:t>
             </a:r>
           </a:p>
@@ -2703,35 +2661,35 @@
           <a:p>
             <a:pPr lvl="0"/>
             <a:r>
-              <a:rPr lang="en-US" smtClean="0"/>
+              <a:rPr lang="en-US"/>
               <a:t>Click to edit Master text styles</a:t>
             </a:r>
           </a:p>
           <a:p>
             <a:pPr lvl="1"/>
             <a:r>
-              <a:rPr lang="en-US" smtClean="0"/>
+              <a:rPr lang="en-US"/>
               <a:t>Second level</a:t>
             </a:r>
           </a:p>
           <a:p>
             <a:pPr lvl="2"/>
             <a:r>
-              <a:rPr lang="en-US" smtClean="0"/>
+              <a:rPr lang="en-US"/>
               <a:t>Third level</a:t>
             </a:r>
           </a:p>
           <a:p>
             <a:pPr lvl="3"/>
             <a:r>
-              <a:rPr lang="en-US" smtClean="0"/>
+              <a:rPr lang="en-US"/>
               <a:t>Fourth level</a:t>
             </a:r>
           </a:p>
           <a:p>
             <a:pPr lvl="4"/>
             <a:r>
-              <a:rPr lang="en-US" smtClean="0"/>
+              <a:rPr lang="en-US"/>
               <a:t>Fifth level</a:t>
             </a:r>
             <a:endParaRPr lang="en-CA"/>
@@ -2762,7 +2720,7 @@
                 </a:solidFill>
               </a:rPr>
               <a:pPr/>
-              <a:t>4/6/2019</a:t>
+              <a:t>7/19/2019</a:t>
             </a:fld>
             <a:endParaRPr lang="en-US">
               <a:solidFill>
@@ -2790,7 +2748,7 @@
           <a:lstStyle/>
           <a:p>
             <a:r>
-              <a:rPr lang="en-US" smtClean="0">
+              <a:rPr lang="en-US">
                 <a:solidFill>
                   <a:prstClr val="black">
                     <a:tint val="75000"/>
@@ -2799,13 +2757,6 @@
               </a:rPr>
               <a:t>Chapter 6 Architectural design</a:t>
             </a:r>
-            <a:endParaRPr lang="en-US">
-              <a:solidFill>
-                <a:prstClr val="black">
-                  <a:tint val="75000"/>
-                </a:prstClr>
-              </a:solidFill>
-            </a:endParaRPr>
           </a:p>
         </p:txBody>
       </p:sp>
@@ -2891,7 +2842,7 @@
           <a:lstStyle/>
           <a:p>
             <a:r>
-              <a:rPr lang="en-US" smtClean="0"/>
+              <a:rPr lang="en-US"/>
               <a:t>Click to edit Master title style</a:t>
             </a:r>
             <a:endParaRPr lang="en-CA"/>
@@ -2922,7 +2873,7 @@
                 </a:solidFill>
               </a:rPr>
               <a:pPr/>
-              <a:t>4/6/2019</a:t>
+              <a:t>7/19/2019</a:t>
             </a:fld>
             <a:endParaRPr lang="en-US">
               <a:solidFill>
@@ -2950,7 +2901,7 @@
           <a:lstStyle/>
           <a:p>
             <a:r>
-              <a:rPr lang="en-US" smtClean="0">
+              <a:rPr lang="en-US">
                 <a:solidFill>
                   <a:prstClr val="black">
                     <a:tint val="75000"/>
@@ -2959,13 +2910,6 @@
               </a:rPr>
               <a:t>Chapter 6 Architectural design</a:t>
             </a:r>
-            <a:endParaRPr lang="en-US">
-              <a:solidFill>
-                <a:prstClr val="black">
-                  <a:tint val="75000"/>
-                </a:prstClr>
-              </a:solidFill>
-            </a:endParaRPr>
           </a:p>
         </p:txBody>
       </p:sp>
@@ -3059,7 +3003,7 @@
                 </a:solidFill>
               </a:rPr>
               <a:pPr/>
-              <a:t>4/6/2019</a:t>
+              <a:t>7/19/2019</a:t>
             </a:fld>
             <a:endParaRPr lang="en-US">
               <a:solidFill>
@@ -3087,7 +3031,7 @@
           <a:lstStyle/>
           <a:p>
             <a:r>
-              <a:rPr lang="en-US" smtClean="0">
+              <a:rPr lang="en-US">
                 <a:solidFill>
                   <a:prstClr val="black">
                     <a:tint val="75000"/>
@@ -3096,13 +3040,6 @@
               </a:rPr>
               <a:t>Chapter 6 Architectural design</a:t>
             </a:r>
-            <a:endParaRPr lang="en-US">
-              <a:solidFill>
-                <a:prstClr val="black">
-                  <a:tint val="75000"/>
-                </a:prstClr>
-              </a:solidFill>
-            </a:endParaRPr>
           </a:p>
         </p:txBody>
       </p:sp>
@@ -3197,7 +3134,7 @@
           </a:lstStyle>
           <a:p>
             <a:r>
-              <a:rPr lang="en-US" smtClean="0"/>
+              <a:rPr lang="en-US"/>
               <a:t>Click to edit Master title style</a:t>
             </a:r>
             <a:endParaRPr lang="en-CA"/>
@@ -3254,35 +3191,35 @@
           <a:p>
             <a:pPr lvl="0"/>
             <a:r>
-              <a:rPr lang="en-US" smtClean="0"/>
+              <a:rPr lang="en-US"/>
               <a:t>Click to edit Master text styles</a:t>
             </a:r>
           </a:p>
           <a:p>
             <a:pPr lvl="1"/>
             <a:r>
-              <a:rPr lang="en-US" smtClean="0"/>
+              <a:rPr lang="en-US"/>
               <a:t>Second level</a:t>
             </a:r>
           </a:p>
           <a:p>
             <a:pPr lvl="2"/>
             <a:r>
-              <a:rPr lang="en-US" smtClean="0"/>
+              <a:rPr lang="en-US"/>
               <a:t>Third level</a:t>
             </a:r>
           </a:p>
           <a:p>
             <a:pPr lvl="3"/>
             <a:r>
-              <a:rPr lang="en-US" smtClean="0"/>
+              <a:rPr lang="en-US"/>
               <a:t>Fourth level</a:t>
             </a:r>
           </a:p>
           <a:p>
             <a:pPr lvl="4"/>
             <a:r>
-              <a:rPr lang="en-US" smtClean="0"/>
+              <a:rPr lang="en-US"/>
               <a:t>Fifth level</a:t>
             </a:r>
             <a:endParaRPr lang="en-CA"/>
@@ -3348,7 +3285,7 @@
           <a:p>
             <a:pPr lvl="0"/>
             <a:r>
-              <a:rPr lang="en-US" smtClean="0"/>
+              <a:rPr lang="en-US"/>
               <a:t>Click to edit Master text styles</a:t>
             </a:r>
           </a:p>
@@ -3378,7 +3315,7 @@
                 </a:solidFill>
               </a:rPr>
               <a:pPr/>
-              <a:t>4/6/2019</a:t>
+              <a:t>7/19/2019</a:t>
             </a:fld>
             <a:endParaRPr lang="en-US">
               <a:solidFill>
@@ -3406,7 +3343,7 @@
           <a:lstStyle/>
           <a:p>
             <a:r>
-              <a:rPr lang="en-US" smtClean="0">
+              <a:rPr lang="en-US">
                 <a:solidFill>
                   <a:prstClr val="black">
                     <a:tint val="75000"/>
@@ -3415,13 +3352,6 @@
               </a:rPr>
               <a:t>Chapter 6 Architectural design</a:t>
             </a:r>
-            <a:endParaRPr lang="en-US">
-              <a:solidFill>
-                <a:prstClr val="black">
-                  <a:tint val="75000"/>
-                </a:prstClr>
-              </a:solidFill>
-            </a:endParaRPr>
           </a:p>
         </p:txBody>
       </p:sp>
@@ -3516,7 +3446,7 @@
           </a:lstStyle>
           <a:p>
             <a:r>
-              <a:rPr lang="en-US" smtClean="0"/>
+              <a:rPr lang="en-US"/>
               <a:t>Click to edit Master title style</a:t>
             </a:r>
             <a:endParaRPr lang="en-CA"/>
@@ -3643,7 +3573,7 @@
           <a:p>
             <a:pPr lvl="0"/>
             <a:r>
-              <a:rPr lang="en-US" smtClean="0"/>
+              <a:rPr lang="en-US"/>
               <a:t>Click to edit Master text styles</a:t>
             </a:r>
           </a:p>
@@ -3673,7 +3603,7 @@
                 </a:solidFill>
               </a:rPr>
               <a:pPr/>
-              <a:t>4/6/2019</a:t>
+              <a:t>7/19/2019</a:t>
             </a:fld>
             <a:endParaRPr lang="en-US">
               <a:solidFill>
@@ -3701,7 +3631,7 @@
           <a:lstStyle/>
           <a:p>
             <a:r>
-              <a:rPr lang="en-US" smtClean="0">
+              <a:rPr lang="en-US">
                 <a:solidFill>
                   <a:prstClr val="black">
                     <a:tint val="75000"/>
@@ -3710,13 +3640,6 @@
               </a:rPr>
               <a:t>Chapter 6 Architectural design</a:t>
             </a:r>
-            <a:endParaRPr lang="en-US">
-              <a:solidFill>
-                <a:prstClr val="black">
-                  <a:tint val="75000"/>
-                </a:prstClr>
-              </a:solidFill>
-            </a:endParaRPr>
           </a:p>
         </p:txBody>
       </p:sp>
@@ -3817,7 +3740,7 @@
           <a:lstStyle/>
           <a:p>
             <a:r>
-              <a:rPr lang="en-US" smtClean="0"/>
+              <a:rPr lang="en-US"/>
               <a:t>Click to edit Master title style</a:t>
             </a:r>
             <a:endParaRPr lang="en-CA"/>
@@ -3851,35 +3774,35 @@
           <a:p>
             <a:pPr lvl="0"/>
             <a:r>
-              <a:rPr lang="en-US" smtClean="0"/>
+              <a:rPr lang="en-US"/>
               <a:t>Click to edit Master text styles</a:t>
             </a:r>
           </a:p>
           <a:p>
             <a:pPr lvl="1"/>
             <a:r>
-              <a:rPr lang="en-US" smtClean="0"/>
+              <a:rPr lang="en-US"/>
               <a:t>Second level</a:t>
             </a:r>
           </a:p>
           <a:p>
             <a:pPr lvl="2"/>
             <a:r>
-              <a:rPr lang="en-US" smtClean="0"/>
+              <a:rPr lang="en-US"/>
               <a:t>Third level</a:t>
             </a:r>
           </a:p>
           <a:p>
             <a:pPr lvl="3"/>
             <a:r>
-              <a:rPr lang="en-US" smtClean="0"/>
+              <a:rPr lang="en-US"/>
               <a:t>Fourth level</a:t>
             </a:r>
           </a:p>
           <a:p>
             <a:pPr lvl="4"/>
             <a:r>
-              <a:rPr lang="en-US" smtClean="0"/>
+              <a:rPr lang="en-US"/>
               <a:t>Fifth level</a:t>
             </a:r>
             <a:endParaRPr lang="en-CA"/>
@@ -3928,7 +3851,7 @@
                 </a:solidFill>
               </a:rPr>
               <a:pPr/>
-              <a:t>4/6/2019</a:t>
+              <a:t>7/19/2019</a:t>
             </a:fld>
             <a:endParaRPr lang="en-US">
               <a:solidFill>
@@ -3974,7 +3897,7 @@
           </a:lstStyle>
           <a:p>
             <a:r>
-              <a:rPr lang="en-US" smtClean="0">
+              <a:rPr lang="en-US">
                 <a:solidFill>
                   <a:prstClr val="black">
                     <a:tint val="75000"/>
@@ -3983,13 +3906,6 @@
               </a:rPr>
               <a:t>Chapter 6 Architectural design</a:t>
             </a:r>
-            <a:endParaRPr lang="en-US">
-              <a:solidFill>
-                <a:prstClr val="black">
-                  <a:tint val="75000"/>
-                </a:prstClr>
-              </a:solidFill>
-            </a:endParaRPr>
           </a:p>
         </p:txBody>
       </p:sp>
@@ -4360,10 +4276,9 @@
           <a:lstStyle/>
           <a:p>
             <a:r>
-              <a:rPr lang="en-US" dirty="0" smtClean="0"/>
+              <a:rPr lang="en-US" dirty="0"/>
               <a:t>Chapter 8 – Software Testing</a:t>
             </a:r>
-            <a:endParaRPr lang="en-US" dirty="0"/>
           </a:p>
         </p:txBody>
       </p:sp>
@@ -4383,10 +4298,9 @@
           <a:lstStyle/>
           <a:p>
             <a:r>
-              <a:rPr lang="en-US" smtClean="0"/>
+              <a:rPr lang="en-US"/>
               <a:t>Chapter 8 Software testing</a:t>
             </a:r>
-            <a:endParaRPr lang="en-US"/>
           </a:p>
         </p:txBody>
       </p:sp>
@@ -4595,7 +4509,7 @@
               <a:defRPr/>
             </a:pPr>
             <a:r>
-              <a:rPr lang="en-US" dirty="0" smtClean="0">
+              <a:rPr lang="en-US" dirty="0">
                 <a:solidFill>
                   <a:sysClr val="windowText" lastClr="000000">
                     <a:tint val="75000"/>
@@ -4610,7 +4524,7 @@
               <a:defRPr/>
             </a:pPr>
             <a:r>
-              <a:rPr lang="en-US" dirty="0" smtClean="0">
+              <a:rPr lang="en-US" dirty="0">
                 <a:solidFill>
                   <a:sysClr val="windowText" lastClr="000000">
                     <a:tint val="75000"/>
@@ -4625,7 +4539,7 @@
               <a:defRPr/>
             </a:pPr>
             <a:r>
-              <a:rPr lang="en-US" dirty="0" smtClean="0">
+              <a:rPr lang="en-US" dirty="0">
                 <a:solidFill>
                   <a:sysClr val="windowText" lastClr="000000">
                     <a:tint val="75000"/>
@@ -4636,7 +4550,7 @@
               <a:t>ssalqahtani@imamu.edu.sa</a:t>
             </a:r>
             <a:r>
-              <a:rPr lang="en-US" dirty="0" smtClean="0">
+              <a:rPr lang="en-US" dirty="0">
                 <a:solidFill>
                   <a:sysClr val="windowText" lastClr="000000">
                     <a:tint val="75000"/>
@@ -4645,13 +4559,6 @@
               </a:rPr>
               <a:t> </a:t>
             </a:r>
-            <a:endParaRPr lang="en-US" dirty="0">
-              <a:solidFill>
-                <a:sysClr val="windowText" lastClr="000000">
-                  <a:tint val="75000"/>
-                </a:sysClr>
-              </a:solidFill>
-            </a:endParaRPr>
           </a:p>
         </p:txBody>
       </p:sp>
@@ -4680,7 +4587,7 @@
               <a:defRPr/>
             </a:pPr>
             <a:r>
-              <a:rPr lang="en-US" altLang="en-US" sz="1400" kern="0" dirty="0" smtClean="0">
+              <a:rPr lang="en-US" altLang="en-US" sz="1400" kern="0" dirty="0">
                 <a:solidFill>
                   <a:srgbClr val="595959"/>
                 </a:solidFill>
@@ -4688,7 +4595,7 @@
               <a:t>Note: These are a slightly modified version of Ch8 slides available from the author’s site </a:t>
             </a:r>
             <a:r>
-              <a:rPr lang="en-US" altLang="en-US" sz="1400" kern="0" dirty="0" smtClean="0">
+              <a:rPr lang="en-US" altLang="en-US" sz="1400" kern="0" dirty="0">
                 <a:solidFill>
                   <a:prstClr val="black"/>
                 </a:solidFill>
@@ -4696,7 +4603,7 @@
               </a:rPr>
               <a:t>http://www.cs.st-andrews.ac.uk/~ifs/Books/SE9/</a:t>
             </a:r>
-            <a:endParaRPr lang="en-US" altLang="en-US" sz="1400" kern="0" dirty="0" smtClean="0">
+            <a:endParaRPr lang="en-US" altLang="en-US" sz="1400" kern="0" dirty="0">
               <a:solidFill>
                 <a:prstClr val="black"/>
               </a:solidFill>
@@ -4709,13 +4616,6 @@
   <p:clrMapOvr>
     <a:overrideClrMapping bg1="lt1" tx1="dk1" bg2="lt2" tx2="dk2" accent1="accent1" accent2="accent2" accent3="accent3" accent4="accent4" accent5="accent5" accent6="accent6" hlink="hlink" folHlink="folHlink"/>
   </p:clrMapOvr>
-  <p:timing>
-    <p:tnLst>
-      <p:par>
-        <p:cTn id="1" dur="indefinite" restart="never" nodeType="tmRoot"/>
-      </p:par>
-    </p:tnLst>
-  </p:timing>
 </p:sld>
 </file>
 
@@ -4760,10 +4660,9 @@
           <a:lstStyle/>
           <a:p>
             <a:r>
-              <a:rPr lang="en-GB" dirty="0" smtClean="0"/>
+              <a:rPr lang="en-GB" dirty="0"/>
               <a:t>Inspections and testing</a:t>
             </a:r>
-            <a:endParaRPr lang="en-GB" dirty="0"/>
           </a:p>
         </p:txBody>
       </p:sp>
@@ -4797,18 +4696,10 @@
                   <a:srgbClr val="FF0000"/>
                 </a:solidFill>
               </a:rPr>
-              <a:t>Software </a:t>
-            </a:r>
-            <a:r>
-              <a:rPr lang="en-GB" sz="2500" dirty="0" smtClean="0">
-                <a:solidFill>
-                  <a:srgbClr val="FF0000"/>
-                </a:solidFill>
-              </a:rPr>
-              <a:t>inspections</a:t>
-            </a:r>
-            <a:r>
-              <a:rPr lang="en-GB" sz="2500" i="1" dirty="0" smtClean="0">
+              <a:t>Software inspections</a:t>
+            </a:r>
+            <a:r>
+              <a:rPr lang="en-GB" sz="2500" i="1" dirty="0">
                 <a:solidFill>
                   <a:srgbClr val="FF0000"/>
                 </a:solidFill>
@@ -4816,12 +4707,8 @@
               <a:t> </a:t>
             </a:r>
             <a:r>
-              <a:rPr lang="en-GB" sz="2500" dirty="0" smtClean="0"/>
-              <a:t>Concerned </a:t>
-            </a:r>
-            <a:r>
               <a:rPr lang="en-GB" sz="2500" dirty="0"/>
-              <a:t>with analysis of </a:t>
+              <a:t>Concerned with analysis of </a:t>
             </a:r>
             <a:br>
               <a:rPr lang="en-GB" sz="2500" dirty="0"/>
@@ -4847,16 +4734,12 @@
             <a:pPr lvl="1"/>
             <a:r>
               <a:rPr lang="en-GB" sz="2500" dirty="0"/>
-              <a:t>May be supplement by tool-based document and code </a:t>
-            </a:r>
-            <a:r>
-              <a:rPr lang="en-GB" sz="2500" dirty="0" smtClean="0"/>
-              <a:t>analysis.</a:t>
-            </a:r>
-          </a:p>
-          <a:p>
-            <a:r>
-              <a:rPr lang="en-GB" sz="2500" dirty="0" smtClean="0">
+              <a:t>May be supplement by tool-based document and code analysis.</a:t>
+            </a:r>
+          </a:p>
+          <a:p>
+            <a:r>
+              <a:rPr lang="en-GB" sz="2500" dirty="0">
                 <a:solidFill>
                   <a:srgbClr val="FF0000"/>
                 </a:solidFill>
@@ -4864,7 +4747,7 @@
               <a:t>Software testing</a:t>
             </a:r>
             <a:r>
-              <a:rPr lang="en-GB" sz="2500" i="1" dirty="0" smtClean="0">
+              <a:rPr lang="en-GB" sz="2500" i="1" dirty="0">
                 <a:solidFill>
                   <a:srgbClr val="FF0000"/>
                 </a:solidFill>
@@ -4872,12 +4755,8 @@
               <a:t> </a:t>
             </a:r>
             <a:r>
-              <a:rPr lang="en-GB" sz="2500" dirty="0" smtClean="0"/>
-              <a:t>Concerned </a:t>
-            </a:r>
-            <a:r>
               <a:rPr lang="en-GB" sz="2500" dirty="0"/>
-              <a:t>with exercising and </a:t>
+              <a:t>Concerned with exercising and </a:t>
             </a:r>
             <a:br>
               <a:rPr lang="en-GB" sz="2500" dirty="0"/>
@@ -4903,11 +4782,7 @@
             <a:pPr lvl="1"/>
             <a:r>
               <a:rPr lang="en-GB" sz="2500" dirty="0"/>
-              <a:t>The system is executed with test data and its operational behaviour is </a:t>
-            </a:r>
-            <a:r>
-              <a:rPr lang="en-GB" sz="2500" dirty="0" smtClean="0"/>
-              <a:t>observed.</a:t>
+              <a:t>The system is executed with test data and its operational behaviour is observed.</a:t>
             </a:r>
           </a:p>
           <a:p>
@@ -4931,10 +4806,9 @@
           <a:lstStyle/>
           <a:p>
             <a:r>
-              <a:rPr lang="en-US" smtClean="0"/>
+              <a:rPr lang="en-US"/>
               <a:t>Chapter 8 Software testing</a:t>
             </a:r>
-            <a:endParaRPr lang="en-US"/>
           </a:p>
         </p:txBody>
       </p:sp>
@@ -4968,13 +4842,6 @@
     <a:overrideClrMapping bg1="lt1" tx1="dk1" bg2="lt2" tx2="dk2" accent1="accent1" accent2="accent2" accent3="accent3" accent4="accent4" accent5="accent5" accent6="accent6" hlink="hlink" folHlink="folHlink"/>
   </p:clrMapOvr>
   <p:transition/>
-  <p:timing>
-    <p:tnLst>
-      <p:par>
-        <p:cTn id="1" dur="indefinite" restart="never" nodeType="tmRoot"/>
-      </p:par>
-    </p:tnLst>
-  </p:timing>
 </p:sld>
 </file>
 
@@ -5016,15 +4883,11 @@
           <a:lstStyle/>
           <a:p>
             <a:r>
-              <a:rPr lang="en-US" dirty="0" smtClean="0"/>
-              <a:t>Inspections </a:t>
-            </a:r>
-            <a:r>
               <a:rPr lang="en-US" dirty="0"/>
-              <a:t>and testing</a:t>
-            </a:r>
-            <a:r>
-              <a:rPr lang="en-GB" dirty="0" smtClean="0"/>
+              <a:t>Inspections and testing</a:t>
+            </a:r>
+            <a:r>
+              <a:rPr lang="en-GB" dirty="0"/>
               <a:t> </a:t>
             </a:r>
             <a:endParaRPr lang="en-US" dirty="0"/>
@@ -5047,10 +4910,9 @@
           <a:lstStyle/>
           <a:p>
             <a:r>
-              <a:rPr lang="en-US" smtClean="0"/>
+              <a:rPr lang="en-US"/>
               <a:t>Chapter 8 Software testing</a:t>
             </a:r>
-            <a:endParaRPr lang="en-US"/>
           </a:p>
         </p:txBody>
       </p:sp>
@@ -5156,13 +5018,6 @@
   <p:clrMapOvr>
     <a:overrideClrMapping bg1="lt1" tx1="dk1" bg2="lt2" tx2="dk2" accent1="accent1" accent2="accent2" accent3="accent3" accent4="accent4" accent5="accent5" accent6="accent6" hlink="hlink" folHlink="folHlink"/>
   </p:clrMapOvr>
-  <p:timing>
-    <p:tnLst>
-      <p:par>
-        <p:cTn id="1" dur="indefinite" restart="never" nodeType="tmRoot"/>
-      </p:par>
-    </p:tnLst>
-  </p:timing>
 </p:sld>
 </file>
 
@@ -5266,10 +5121,9 @@
           <a:lstStyle/>
           <a:p>
             <a:r>
-              <a:rPr lang="en-US" smtClean="0"/>
+              <a:rPr lang="en-US"/>
               <a:t>Chapter 8 Software testing</a:t>
             </a:r>
-            <a:endParaRPr lang="en-US"/>
           </a:p>
         </p:txBody>
       </p:sp>
@@ -5302,13 +5156,6 @@
   <p:clrMapOvr>
     <a:overrideClrMapping bg1="lt1" tx1="dk1" bg2="lt2" tx2="dk2" accent1="accent1" accent2="accent2" accent3="accent3" accent4="accent4" accent5="accent5" accent6="accent6" hlink="hlink" folHlink="folHlink"/>
   </p:clrMapOvr>
-  <p:timing>
-    <p:tnLst>
-      <p:par>
-        <p:cTn id="1" dur="indefinite" restart="never" nodeType="tmRoot"/>
-      </p:par>
-    </p:tnLst>
-  </p:timing>
 </p:sld>
 </file>
 
@@ -5352,15 +5199,11 @@
           <a:lstStyle/>
           <a:p>
             <a:r>
-              <a:rPr lang="en-US" dirty="0" smtClean="0"/>
-              <a:t>A </a:t>
-            </a:r>
-            <a:r>
               <a:rPr lang="en-US" dirty="0"/>
-              <a:t>model of the software testing process</a:t>
-            </a:r>
-            <a:r>
-              <a:rPr lang="en-GB" dirty="0" smtClean="0"/>
+              <a:t>A model of the software testing process</a:t>
+            </a:r>
+            <a:r>
+              <a:rPr lang="en-GB" dirty="0"/>
               <a:t> </a:t>
             </a:r>
             <a:endParaRPr lang="en-US" dirty="0"/>
@@ -5383,10 +5226,9 @@
           <a:lstStyle/>
           <a:p>
             <a:r>
-              <a:rPr lang="en-US" smtClean="0"/>
+              <a:rPr lang="en-US"/>
               <a:t>Chapter 8 Software testing</a:t>
             </a:r>
-            <a:endParaRPr lang="en-US"/>
           </a:p>
         </p:txBody>
       </p:sp>
@@ -5473,13 +5315,6 @@
   <p:clrMapOvr>
     <a:overrideClrMapping bg1="lt1" tx1="dk1" bg2="lt2" tx2="dk2" accent1="accent1" accent2="accent2" accent3="accent3" accent4="accent4" accent5="accent5" accent6="accent6" hlink="hlink" folHlink="folHlink"/>
   </p:clrMapOvr>
-  <p:timing>
-    <p:tnLst>
-      <p:par>
-        <p:cTn id="1" dur="indefinite" restart="never" nodeType="tmRoot"/>
-      </p:par>
-    </p:tnLst>
-  </p:timing>
 </p:sld>
 </file>
 
@@ -5521,10 +5356,9 @@
           <a:lstStyle/>
           <a:p>
             <a:r>
-              <a:rPr lang="en-US" dirty="0" smtClean="0"/>
+              <a:rPr lang="en-US" dirty="0"/>
               <a:t>Stages of testing</a:t>
             </a:r>
-            <a:endParaRPr lang="en-US" dirty="0"/>
           </a:p>
         </p:txBody>
       </p:sp>
@@ -5546,7 +5380,7 @@
           <a:lstStyle/>
           <a:p>
             <a:r>
-              <a:rPr lang="en-US" b="1" dirty="0" smtClean="0">
+              <a:rPr lang="en-US" b="1" dirty="0">
                 <a:solidFill>
                   <a:srgbClr val="00B050"/>
                 </a:solidFill>
@@ -5554,13 +5388,13 @@
               <a:t>Development testing</a:t>
             </a:r>
             <a:r>
-              <a:rPr lang="en-US" dirty="0" smtClean="0"/>
+              <a:rPr lang="en-US" dirty="0"/>
               <a:t>, where the system is tested during development to discover bugs and defects. </a:t>
             </a:r>
           </a:p>
           <a:p>
             <a:r>
-              <a:rPr lang="en-US" b="1" dirty="0" smtClean="0">
+              <a:rPr lang="en-US" b="1" dirty="0">
                 <a:solidFill>
                   <a:srgbClr val="00B050"/>
                 </a:solidFill>
@@ -5568,13 +5402,13 @@
               <a:t>Release testing</a:t>
             </a:r>
             <a:r>
-              <a:rPr lang="en-US" dirty="0" smtClean="0"/>
+              <a:rPr lang="en-US" dirty="0"/>
               <a:t>, where a separate testing team test a complete version of the system before it is released to users. </a:t>
             </a:r>
           </a:p>
           <a:p>
             <a:r>
-              <a:rPr lang="en-US" b="1" dirty="0" smtClean="0">
+              <a:rPr lang="en-US" b="1" dirty="0">
                 <a:solidFill>
                   <a:srgbClr val="00B050"/>
                 </a:solidFill>
@@ -5582,7 +5416,7 @@
               <a:t>User testing</a:t>
             </a:r>
             <a:r>
-              <a:rPr lang="en-US" dirty="0" smtClean="0"/>
+              <a:rPr lang="en-US" dirty="0"/>
               <a:t>, where users or potential users of a system test the system in their own environment.</a:t>
             </a:r>
           </a:p>
@@ -5604,10 +5438,9 @@
           <a:lstStyle/>
           <a:p>
             <a:r>
-              <a:rPr lang="en-US" smtClean="0"/>
+              <a:rPr lang="en-US"/>
               <a:t>Chapter 8 Software testing</a:t>
             </a:r>
-            <a:endParaRPr lang="en-US"/>
           </a:p>
         </p:txBody>
       </p:sp>
@@ -5640,13 +5473,6 @@
   <p:clrMapOvr>
     <a:overrideClrMapping bg1="lt1" tx1="dk1" bg2="lt2" tx2="dk2" accent1="accent1" accent2="accent2" accent3="accent3" accent4="accent4" accent5="accent5" accent6="accent6" hlink="hlink" folHlink="folHlink"/>
   </p:clrMapOvr>
-  <p:timing>
-    <p:tnLst>
-      <p:par>
-        <p:cTn id="1" dur="indefinite" restart="never" nodeType="tmRoot"/>
-      </p:par>
-    </p:tnLst>
-  </p:timing>
 </p:sld>
 </file>
 
@@ -5688,10 +5514,9 @@
           <a:lstStyle/>
           <a:p>
             <a:r>
-              <a:rPr lang="en-US" dirty="0" smtClean="0"/>
+              <a:rPr lang="en-US" dirty="0"/>
               <a:t>Development testing</a:t>
             </a:r>
-            <a:endParaRPr lang="en-US" dirty="0"/>
           </a:p>
         </p:txBody>
       </p:sp>
@@ -5713,28 +5538,28 @@
           <a:lstStyle/>
           <a:p>
             <a:r>
-              <a:rPr lang="en-US" dirty="0" smtClean="0"/>
+              <a:rPr lang="en-US" dirty="0"/>
               <a:t>Development testing includes all testing activities that are carried out by the team developing the system. </a:t>
             </a:r>
           </a:p>
           <a:p>
             <a:pPr lvl="1"/>
             <a:r>
-              <a:rPr lang="en-US" b="1" dirty="0" smtClean="0"/>
+              <a:rPr lang="en-US" b="1" dirty="0"/>
               <a:t>Unit testing</a:t>
             </a:r>
           </a:p>
           <a:p>
             <a:pPr lvl="1"/>
             <a:r>
-              <a:rPr lang="en-US" b="1" dirty="0" smtClean="0"/>
+              <a:rPr lang="en-US" b="1" dirty="0"/>
               <a:t>Component (Integration) testing</a:t>
             </a:r>
           </a:p>
           <a:p>
             <a:pPr lvl="1"/>
             <a:r>
-              <a:rPr lang="en-US" b="1" dirty="0" smtClean="0"/>
+              <a:rPr lang="en-US" b="1" dirty="0"/>
               <a:t>System testing</a:t>
             </a:r>
             <a:endParaRPr lang="en-US" dirty="0"/>
@@ -5757,10 +5582,9 @@
           <a:lstStyle/>
           <a:p>
             <a:r>
-              <a:rPr lang="en-US" smtClean="0"/>
+              <a:rPr lang="en-US"/>
               <a:t>Chapter 8 Software testing</a:t>
             </a:r>
-            <a:endParaRPr lang="en-US"/>
           </a:p>
         </p:txBody>
       </p:sp>
@@ -5793,13 +5617,6 @@
   <p:clrMapOvr>
     <a:overrideClrMapping bg1="lt1" tx1="dk1" bg2="lt2" tx2="dk2" accent1="accent1" accent2="accent2" accent3="accent3" accent4="accent4" accent5="accent5" accent6="accent6" hlink="hlink" folHlink="folHlink"/>
   </p:clrMapOvr>
-  <p:timing>
-    <p:tnLst>
-      <p:par>
-        <p:cTn id="1" dur="indefinite" restart="never" nodeType="tmRoot"/>
-      </p:par>
-    </p:tnLst>
-  </p:timing>
 </p:sld>
 </file>
 
@@ -5841,10 +5658,9 @@
           <a:lstStyle/>
           <a:p>
             <a:r>
-              <a:rPr lang="en-US" dirty="0" smtClean="0"/>
+              <a:rPr lang="en-US" dirty="0"/>
               <a:t>Unit testing</a:t>
             </a:r>
-            <a:endParaRPr lang="en-US" dirty="0"/>
           </a:p>
         </p:txBody>
       </p:sp>
@@ -5866,12 +5682,8 @@
           <a:lstStyle/>
           <a:p>
             <a:r>
-              <a:rPr lang="en-US" dirty="0" smtClean="0"/>
-              <a:t>Unit testing </a:t>
-            </a:r>
-            <a:r>
               <a:rPr lang="en-US" dirty="0"/>
-              <a:t>is the process of testing individual components in isolation.</a:t>
+              <a:t>Unit testing is the process of testing individual components in isolation.</a:t>
             </a:r>
           </a:p>
           <a:p>
@@ -5879,16 +5691,11 @@
               <a:rPr lang="en-US" dirty="0"/>
               <a:t>It is a defect testing process.</a:t>
             </a:r>
-            <a:endParaRPr lang="en-US" dirty="0" smtClean="0"/>
-          </a:p>
-          <a:p>
-            <a:r>
-              <a:rPr lang="en-US" dirty="0" smtClean="0"/>
-              <a:t>Units may </a:t>
-            </a:r>
+          </a:p>
+          <a:p>
             <a:r>
               <a:rPr lang="en-US" dirty="0"/>
-              <a:t>be:</a:t>
+              <a:t>Units may be:</a:t>
             </a:r>
           </a:p>
           <a:p>
@@ -5899,11 +5706,7 @@
             </a:r>
             <a:r>
               <a:rPr lang="en-US" dirty="0"/>
-              <a:t>within an </a:t>
-            </a:r>
-            <a:r>
-              <a:rPr lang="en-US" dirty="0" smtClean="0"/>
-              <a:t>object</a:t>
+              <a:t>within an object</a:t>
             </a:r>
           </a:p>
           <a:p>
@@ -5914,11 +5717,7 @@
             </a:r>
             <a:r>
               <a:rPr lang="en-US" dirty="0"/>
-              <a:t>with several attributes and </a:t>
-            </a:r>
-            <a:r>
-              <a:rPr lang="en-US" dirty="0" smtClean="0"/>
-              <a:t>methods </a:t>
+              <a:t>with several attributes and methods </a:t>
             </a:r>
           </a:p>
           <a:p>
@@ -5950,10 +5749,9 @@
           <a:lstStyle/>
           <a:p>
             <a:r>
-              <a:rPr lang="en-US" smtClean="0"/>
+              <a:rPr lang="en-US"/>
               <a:t>Chapter 8 Software testing</a:t>
             </a:r>
-            <a:endParaRPr lang="en-US"/>
           </a:p>
         </p:txBody>
       </p:sp>
@@ -5986,13 +5784,6 @@
   <p:clrMapOvr>
     <a:overrideClrMapping bg1="lt1" tx1="dk1" bg2="lt2" tx2="dk2" accent1="accent1" accent2="accent2" accent3="accent3" accent4="accent4" accent5="accent5" accent6="accent6" hlink="hlink" folHlink="folHlink"/>
   </p:clrMapOvr>
-  <p:timing>
-    <p:tnLst>
-      <p:par>
-        <p:cTn id="1" dur="indefinite" restart="never" nodeType="tmRoot"/>
-      </p:par>
-    </p:tnLst>
-  </p:timing>
 </p:sld>
 </file>
 
@@ -6066,33 +5857,25 @@
             <a:pPr lvl="1"/>
             <a:r>
               <a:rPr lang="en-GB" dirty="0"/>
-              <a:t>Testing all operations associated with an </a:t>
-            </a:r>
-            <a:r>
-              <a:rPr lang="en-GB" dirty="0" smtClean="0"/>
-              <a:t>object</a:t>
-            </a:r>
-            <a:r>
-              <a:rPr lang="en-US" dirty="0" smtClean="0"/>
+              <a:t>Testing all operations associated with an object</a:t>
+            </a:r>
+            <a:r>
+              <a:rPr lang="en-US" dirty="0"/>
               <a:t> </a:t>
             </a:r>
-            <a:endParaRPr lang="en-GB" dirty="0" smtClean="0"/>
+            <a:endParaRPr lang="en-GB" dirty="0"/>
           </a:p>
           <a:p>
             <a:pPr lvl="1"/>
             <a:r>
               <a:rPr lang="en-GB" dirty="0"/>
-              <a:t>Setting and interrogating all object </a:t>
-            </a:r>
-            <a:r>
-              <a:rPr lang="en-GB" dirty="0" smtClean="0"/>
-              <a:t>attributes</a:t>
-            </a:r>
-            <a:r>
-              <a:rPr lang="en-US" dirty="0" smtClean="0"/>
+              <a:t>Setting and interrogating all object attributes</a:t>
+            </a:r>
+            <a:r>
+              <a:rPr lang="en-US" dirty="0"/>
               <a:t> </a:t>
             </a:r>
-            <a:endParaRPr lang="en-GB" dirty="0" smtClean="0"/>
+            <a:endParaRPr lang="en-GB" dirty="0"/>
           </a:p>
           <a:p>
             <a:pPr lvl="1"/>
@@ -6125,10 +5908,9 @@
           <a:lstStyle/>
           <a:p>
             <a:r>
-              <a:rPr lang="en-US" smtClean="0"/>
+              <a:rPr lang="en-US"/>
               <a:t>Chapter 8 Software testing</a:t>
             </a:r>
-            <a:endParaRPr lang="en-US"/>
           </a:p>
         </p:txBody>
       </p:sp>
@@ -6161,13 +5943,6 @@
   <p:clrMapOvr>
     <a:overrideClrMapping bg1="lt1" tx1="dk1" bg2="lt2" tx2="dk2" accent1="accent1" accent2="accent2" accent3="accent3" accent4="accent4" accent5="accent5" accent6="accent6" hlink="hlink" folHlink="folHlink"/>
   </p:clrMapOvr>
-  <p:timing>
-    <p:tnLst>
-      <p:par>
-        <p:cTn id="1" dur="indefinite" restart="never" nodeType="tmRoot"/>
-      </p:par>
-    </p:tnLst>
-  </p:timing>
 </p:sld>
 </file>
 
@@ -6211,15 +5986,11 @@
           <a:lstStyle/>
           <a:p>
             <a:r>
-              <a:rPr lang="en-US" dirty="0" smtClean="0"/>
-              <a:t>The </a:t>
-            </a:r>
-            <a:r>
               <a:rPr lang="en-US" dirty="0"/>
-              <a:t>weather station object interface</a:t>
-            </a:r>
-            <a:r>
-              <a:rPr lang="en-GB" dirty="0" smtClean="0"/>
+              <a:t>The weather station object interface</a:t>
+            </a:r>
+            <a:r>
+              <a:rPr lang="en-GB" dirty="0"/>
               <a:t> </a:t>
             </a:r>
             <a:endParaRPr lang="en-US" dirty="0"/>
@@ -6242,10 +6013,9 @@
           <a:lstStyle/>
           <a:p>
             <a:r>
-              <a:rPr lang="en-US" smtClean="0"/>
+              <a:rPr lang="en-US"/>
               <a:t>Chapter 8 Software testing</a:t>
             </a:r>
-            <a:endParaRPr lang="en-US"/>
           </a:p>
         </p:txBody>
       </p:sp>
@@ -6332,13 +6102,6 @@
   <p:clrMapOvr>
     <a:overrideClrMapping bg1="lt1" tx1="dk1" bg2="lt2" tx2="dk2" accent1="accent1" accent2="accent2" accent3="accent3" accent4="accent4" accent5="accent5" accent6="accent6" hlink="hlink" folHlink="folHlink"/>
   </p:clrMapOvr>
-  <p:timing>
-    <p:tnLst>
-      <p:par>
-        <p:cTn id="1" dur="indefinite" restart="never" nodeType="tmRoot"/>
-      </p:par>
-    </p:tnLst>
-  </p:timing>
 </p:sld>
 </file>
 
@@ -6440,66 +6203,33 @@
               <a:rPr lang="en-US" dirty="0"/>
               <a:t>For example:</a:t>
             </a:r>
-            <a:endParaRPr lang="en-US" dirty="0" smtClean="0"/>
           </a:p>
           <a:p>
             <a:pPr lvl="1"/>
-            <a:r>
-              <a:rPr lang="en-US" dirty="0" smtClean="0">
-                <a:solidFill>
-                  <a:srgbClr val="FF0000"/>
-                </a:solidFill>
-              </a:rPr>
-              <a:t>Shutdown </a:t>
-            </a:r>
             <a:r>
               <a:rPr lang="en-US" dirty="0">
                 <a:solidFill>
                   <a:srgbClr val="FF0000"/>
                 </a:solidFill>
               </a:rPr>
-              <a:t>-&gt;</a:t>
-            </a:r>
-            <a:r>
-              <a:rPr lang="en-US" dirty="0" smtClean="0">
-                <a:solidFill>
-                  <a:srgbClr val="FF0000"/>
-                </a:solidFill>
-              </a:rPr>
-              <a:t> Running-</a:t>
-            </a:r>
+              <a:t>Shutdown -&gt; Running-&gt; Shutdown</a:t>
+            </a:r>
+          </a:p>
+          <a:p>
+            <a:pPr lvl="1"/>
             <a:r>
               <a:rPr lang="en-US" dirty="0">
                 <a:solidFill>
                   <a:srgbClr val="FF0000"/>
                 </a:solidFill>
               </a:rPr>
-              <a:t>&gt;</a:t>
-            </a:r>
-            <a:r>
-              <a:rPr lang="en-US" dirty="0" smtClean="0">
-                <a:solidFill>
-                  <a:srgbClr val="FF0000"/>
-                </a:solidFill>
-              </a:rPr>
-              <a:t> Shutdown</a:t>
+              <a:t>Configuring-&gt; Running-&gt; Testing -&gt; Transmitting -&gt; Running</a:t>
             </a:r>
           </a:p>
           <a:p>
             <a:pPr lvl="1"/>
             <a:r>
-              <a:rPr lang="en-US" dirty="0" smtClean="0">
-                <a:solidFill>
-                  <a:srgbClr val="FF0000"/>
-                </a:solidFill>
-              </a:rPr>
-              <a:t>Configuring-&gt; Running-&gt; Testing -&gt; Transmitting -&gt; Running</a:t>
-            </a:r>
-          </a:p>
-          <a:p>
-            <a:pPr lvl="1"/>
-            <a:r>
-              <a:rPr lang="en-US" dirty="0" smtClean="0">
+              <a:rPr lang="en-US" dirty="0">
                 <a:solidFill>
                   <a:srgbClr val="FF0000"/>
                 </a:solidFill>
@@ -6529,10 +6259,9 @@
           <a:lstStyle/>
           <a:p>
             <a:r>
-              <a:rPr lang="en-US" smtClean="0"/>
+              <a:rPr lang="en-US"/>
               <a:t>Chapter 8 Software testing</a:t>
             </a:r>
-            <a:endParaRPr lang="en-US"/>
           </a:p>
         </p:txBody>
       </p:sp>
@@ -6565,13 +6294,6 @@
   <p:clrMapOvr>
     <a:overrideClrMapping bg1="lt1" tx1="dk1" bg2="lt2" tx2="dk2" accent1="accent1" accent2="accent2" accent3="accent3" accent4="accent4" accent5="accent5" accent6="accent6" hlink="hlink" folHlink="folHlink"/>
   </p:clrMapOvr>
-  <p:timing>
-    <p:tnLst>
-      <p:par>
-        <p:cTn id="1" dur="indefinite" restart="never" nodeType="tmRoot"/>
-      </p:par>
-    </p:tnLst>
-  </p:timing>
 </p:sld>
 </file>
 
@@ -6613,62 +6335,61 @@
           <a:lstStyle/>
           <a:p>
             <a:r>
-              <a:rPr lang="en-US" dirty="0" smtClean="0"/>
+              <a:rPr lang="en-US" dirty="0"/>
               <a:t>Topics covered</a:t>
             </a:r>
+          </a:p>
+        </p:txBody>
+      </p:sp>
+      <p:sp>
+        <p:nvSpPr>
+          <p:cNvPr id="3" name="Content Placeholder 2"/>
+          <p:cNvSpPr>
+            <a:spLocks noGrp="1"/>
+          </p:cNvSpPr>
+          <p:nvPr>
+            <p:ph idx="1"/>
+          </p:nvPr>
+        </p:nvSpPr>
+        <p:spPr/>
+        <p:txBody>
+          <a:bodyPr/>
+          <a:lstStyle/>
+          <a:p>
+            <a:r>
+              <a:rPr lang="en-US" dirty="0"/>
+              <a:t>Development testing</a:t>
+            </a:r>
+            <a:endParaRPr lang="en-GB" dirty="0"/>
+          </a:p>
+          <a:p>
+            <a:r>
+              <a:rPr lang="en-US" dirty="0"/>
+              <a:t>Test-driven development</a:t>
+            </a:r>
+            <a:endParaRPr lang="en-GB" dirty="0"/>
+          </a:p>
+          <a:p>
+            <a:r>
+              <a:rPr lang="en-US" dirty="0"/>
+              <a:t>Release testing</a:t>
+            </a:r>
+            <a:endParaRPr lang="en-GB" dirty="0"/>
+          </a:p>
+          <a:p>
+            <a:r>
+              <a:rPr lang="en-US" dirty="0"/>
+              <a:t>User testing </a:t>
+            </a:r>
+            <a:endParaRPr lang="en-GB" dirty="0"/>
+          </a:p>
+          <a:p>
             <a:endParaRPr lang="en-US" dirty="0"/>
           </a:p>
         </p:txBody>
       </p:sp>
       <p:sp>
         <p:nvSpPr>
-          <p:cNvPr id="3" name="Content Placeholder 2"/>
-          <p:cNvSpPr>
-            <a:spLocks noGrp="1"/>
-          </p:cNvSpPr>
-          <p:nvPr>
-            <p:ph idx="1"/>
-          </p:nvPr>
-        </p:nvSpPr>
-        <p:spPr/>
-        <p:txBody>
-          <a:bodyPr/>
-          <a:lstStyle/>
-          <a:p>
-            <a:r>
-              <a:rPr lang="en-US" dirty="0" smtClean="0"/>
-              <a:t>Development testing</a:t>
-            </a:r>
-            <a:endParaRPr lang="en-GB" dirty="0" smtClean="0"/>
-          </a:p>
-          <a:p>
-            <a:r>
-              <a:rPr lang="en-US" dirty="0" smtClean="0"/>
-              <a:t>Test-driven development</a:t>
-            </a:r>
-            <a:endParaRPr lang="en-GB" dirty="0" smtClean="0"/>
-          </a:p>
-          <a:p>
-            <a:r>
-              <a:rPr lang="en-US" dirty="0" smtClean="0"/>
-              <a:t>Release testing</a:t>
-            </a:r>
-            <a:endParaRPr lang="en-GB" dirty="0" smtClean="0"/>
-          </a:p>
-          <a:p>
-            <a:r>
-              <a:rPr lang="en-US" dirty="0" smtClean="0"/>
-              <a:t>User testing </a:t>
-            </a:r>
-            <a:endParaRPr lang="en-GB" dirty="0" smtClean="0"/>
-          </a:p>
-          <a:p>
-            <a:endParaRPr lang="en-US" dirty="0"/>
-          </a:p>
-        </p:txBody>
-      </p:sp>
-      <p:sp>
-        <p:nvSpPr>
           <p:cNvPr id="5" name="Footer Placeholder 4"/>
           <p:cNvSpPr>
             <a:spLocks noGrp="1"/>
@@ -6683,10 +6404,9 @@
           <a:lstStyle/>
           <a:p>
             <a:r>
-              <a:rPr lang="en-US" smtClean="0"/>
+              <a:rPr lang="en-US"/>
               <a:t>Chapter 8 Software testing</a:t>
             </a:r>
-            <a:endParaRPr lang="en-US"/>
           </a:p>
         </p:txBody>
       </p:sp>
@@ -6719,13 +6439,6 @@
   <p:clrMapOvr>
     <a:overrideClrMapping bg1="lt1" tx1="dk1" bg2="lt2" tx2="dk2" accent1="accent1" accent2="accent2" accent3="accent3" accent4="accent4" accent5="accent5" accent6="accent6" hlink="hlink" folHlink="folHlink"/>
   </p:clrMapOvr>
-  <p:timing>
-    <p:tnLst>
-      <p:par>
-        <p:cTn id="1" dur="indefinite" restart="never" nodeType="tmRoot"/>
-      </p:par>
-    </p:tnLst>
-  </p:timing>
 </p:sld>
 </file>
 
@@ -6767,10 +6480,9 @@
           <a:lstStyle/>
           <a:p>
             <a:r>
-              <a:rPr lang="en-US" dirty="0" smtClean="0"/>
+              <a:rPr lang="en-US" dirty="0"/>
               <a:t>Automated testing</a:t>
             </a:r>
-            <a:endParaRPr lang="en-US" dirty="0"/>
           </a:p>
         </p:txBody>
       </p:sp>
@@ -6792,21 +6504,21 @@
           <a:lstStyle/>
           <a:p>
             <a:r>
-              <a:rPr lang="en-US" dirty="0" smtClean="0"/>
+              <a:rPr lang="en-US" dirty="0"/>
               <a:t>Whenever possible, unit testing should be automated so that tests are run and checked without manual intervention.</a:t>
             </a:r>
           </a:p>
           <a:p>
             <a:r>
-              <a:rPr lang="en-US" dirty="0" smtClean="0"/>
+              <a:rPr lang="en-US" dirty="0"/>
               <a:t>In automated unit testing, you make use of a test automation framework (</a:t>
             </a:r>
             <a:r>
-              <a:rPr lang="en-US" i="1" dirty="0" smtClean="0"/>
+              <a:rPr lang="en-US" i="1" dirty="0"/>
               <a:t>such as </a:t>
             </a:r>
             <a:r>
-              <a:rPr lang="en-US" i="1" dirty="0" smtClean="0">
+              <a:rPr lang="en-US" i="1" dirty="0">
                 <a:solidFill>
                   <a:srgbClr val="FF0000"/>
                 </a:solidFill>
@@ -6814,7 +6526,7 @@
               <a:t>JUnit</a:t>
             </a:r>
             <a:r>
-              <a:rPr lang="en-US" dirty="0" smtClean="0"/>
+              <a:rPr lang="en-US" dirty="0"/>
               <a:t>) to write and run your program tests. </a:t>
             </a:r>
           </a:p>
@@ -6830,7 +6542,7 @@
               </a:rPr>
               <a:t>https://www.ece.uvic.ca/~shsaad/seng426/resources/Lab%20Slides/Lab3-SENG09.pdf</a:t>
             </a:r>
-            <a:endParaRPr lang="en-US" dirty="0" smtClean="0"/>
+            <a:endParaRPr lang="en-US" dirty="0"/>
           </a:p>
         </p:txBody>
       </p:sp>
@@ -6850,10 +6562,9 @@
           <a:lstStyle/>
           <a:p>
             <a:r>
-              <a:rPr lang="en-US" smtClean="0"/>
+              <a:rPr lang="en-US"/>
               <a:t>Chapter 8 Software testing</a:t>
             </a:r>
-            <a:endParaRPr lang="en-US"/>
           </a:p>
         </p:txBody>
       </p:sp>
@@ -6886,13 +6597,6 @@
   <p:clrMapOvr>
     <a:overrideClrMapping bg1="lt1" tx1="dk1" bg2="lt2" tx2="dk2" accent1="accent1" accent2="accent2" accent3="accent3" accent4="accent4" accent5="accent5" accent6="accent6" hlink="hlink" folHlink="folHlink"/>
   </p:clrMapOvr>
-  <p:timing>
-    <p:tnLst>
-      <p:par>
-        <p:cTn id="1" dur="indefinite" restart="never" nodeType="tmRoot"/>
-      </p:par>
-    </p:tnLst>
-  </p:timing>
 </p:sld>
 </file>
 
@@ -6934,10 +6638,9 @@
           <a:lstStyle/>
           <a:p>
             <a:r>
-              <a:rPr lang="en-US" dirty="0" smtClean="0"/>
+              <a:rPr lang="en-US" dirty="0"/>
               <a:t>Key points</a:t>
             </a:r>
-            <a:endParaRPr lang="en-US" dirty="0"/>
           </a:p>
         </p:txBody>
       </p:sp>
@@ -6959,24 +6662,24 @@
           <a:lstStyle/>
           <a:p>
             <a:r>
-              <a:rPr lang="en-US" dirty="0" smtClean="0"/>
+              <a:rPr lang="en-US" dirty="0"/>
               <a:t>Testing can only show the presence of errors in a program. It cannot demonstrate that there are no remaining faults.</a:t>
             </a:r>
-            <a:endParaRPr lang="en-GB" dirty="0" smtClean="0"/>
-          </a:p>
-          <a:p>
-            <a:r>
-              <a:rPr lang="en-US" dirty="0" smtClean="0"/>
+            <a:endParaRPr lang="en-GB" dirty="0"/>
+          </a:p>
+          <a:p>
+            <a:r>
+              <a:rPr lang="en-US" dirty="0"/>
               <a:t>Development testing is the responsibility of the software development team. A separate team should be responsible for testing a system before it is released to customers. </a:t>
             </a:r>
-            <a:endParaRPr lang="en-GB" dirty="0" smtClean="0"/>
-          </a:p>
-          <a:p>
-            <a:r>
-              <a:rPr lang="en-US" dirty="0" smtClean="0"/>
+            <a:endParaRPr lang="en-GB" dirty="0"/>
+          </a:p>
+          <a:p>
+            <a:r>
+              <a:rPr lang="en-US" dirty="0"/>
               <a:t>Development testing includes unit testing, in which you test individual objects and methods  component testing in which you test related groups of objects  and system testing, in which you test partial or complete systems.</a:t>
             </a:r>
-            <a:endParaRPr lang="en-GB" dirty="0" smtClean="0"/>
+            <a:endParaRPr lang="en-GB" dirty="0"/>
           </a:p>
           <a:p>
             <a:endParaRPr lang="en-US" dirty="0"/>
@@ -6999,10 +6702,9 @@
           <a:lstStyle/>
           <a:p>
             <a:r>
-              <a:rPr lang="en-US" smtClean="0"/>
+              <a:rPr lang="en-US"/>
               <a:t>Chapter 8 Software testing</a:t>
             </a:r>
-            <a:endParaRPr lang="en-US"/>
           </a:p>
         </p:txBody>
       </p:sp>
@@ -7035,13 +6737,6 @@
   <p:clrMapOvr>
     <a:overrideClrMapping bg1="lt1" tx1="dk1" bg2="lt2" tx2="dk2" accent1="accent1" accent2="accent2" accent3="accent3" accent4="accent4" accent5="accent5" accent6="accent6" hlink="hlink" folHlink="folHlink"/>
   </p:clrMapOvr>
-  <p:timing>
-    <p:tnLst>
-      <p:par>
-        <p:cTn id="1" dur="indefinite" restart="never" nodeType="tmRoot"/>
-      </p:par>
-    </p:tnLst>
-  </p:timing>
 </p:sld>
 </file>
 
@@ -7083,10 +6778,9 @@
           <a:lstStyle/>
           <a:p>
             <a:r>
-              <a:rPr lang="en-US" dirty="0" smtClean="0"/>
+              <a:rPr lang="en-US" dirty="0"/>
               <a:t>Chapter 8 – Software Testing</a:t>
             </a:r>
-            <a:endParaRPr lang="en-US" dirty="0"/>
           </a:p>
         </p:txBody>
       </p:sp>
@@ -7106,10 +6800,9 @@
           <a:lstStyle/>
           <a:p>
             <a:r>
-              <a:rPr lang="en-US" dirty="0" smtClean="0"/>
+              <a:rPr lang="en-US" dirty="0"/>
               <a:t>Lecture 2</a:t>
             </a:r>
-            <a:endParaRPr lang="en-US" dirty="0"/>
           </a:p>
         </p:txBody>
       </p:sp>
@@ -7129,10 +6822,9 @@
           <a:lstStyle/>
           <a:p>
             <a:r>
-              <a:rPr lang="en-US" smtClean="0"/>
+              <a:rPr lang="en-US"/>
               <a:t>Chapter 8 Software testing</a:t>
             </a:r>
-            <a:endParaRPr lang="en-US"/>
           </a:p>
         </p:txBody>
       </p:sp>
@@ -7165,13 +6857,6 @@
   <p:clrMapOvr>
     <a:overrideClrMapping bg1="lt1" tx1="dk1" bg2="lt2" tx2="dk2" accent1="accent1" accent2="accent2" accent3="accent3" accent4="accent4" accent5="accent5" accent6="accent6" hlink="hlink" folHlink="folHlink"/>
   </p:clrMapOvr>
-  <p:timing>
-    <p:tnLst>
-      <p:par>
-        <p:cTn id="1" dur="indefinite" restart="never" nodeType="tmRoot"/>
-      </p:par>
-    </p:tnLst>
-  </p:timing>
 </p:sld>
 </file>
 
@@ -7213,7 +6898,7 @@
           <a:lstStyle/>
           <a:p>
             <a:r>
-              <a:rPr lang="en-US" smtClean="0"/>
+              <a:rPr lang="en-US"/>
               <a:t>Component testing</a:t>
             </a:r>
             <a:endParaRPr lang="en-US" dirty="0"/>
@@ -7238,20 +6923,20 @@
           <a:lstStyle/>
           <a:p>
             <a:r>
-              <a:rPr lang="en-US" dirty="0" smtClean="0"/>
+              <a:rPr lang="en-US" dirty="0"/>
               <a:t>Software components are often composite components that are made up of several interacting objects. </a:t>
             </a:r>
           </a:p>
           <a:p>
             <a:pPr lvl="1"/>
             <a:r>
-              <a:rPr lang="en-US" dirty="0" smtClean="0"/>
+              <a:rPr lang="en-US" dirty="0"/>
               <a:t>For example, in the weather station system, the reconfiguration component includes objects that deal with each aspect of the reconfiguration. </a:t>
             </a:r>
           </a:p>
           <a:p>
             <a:r>
-              <a:rPr lang="en-US" dirty="0" smtClean="0"/>
+              <a:rPr lang="en-US" dirty="0"/>
               <a:t>Testing composite components should therefore focus on showing that the component interface behaves according to its specification. </a:t>
             </a:r>
           </a:p>
@@ -7273,10 +6958,9 @@
           <a:lstStyle/>
           <a:p>
             <a:r>
-              <a:rPr lang="en-US" smtClean="0"/>
+              <a:rPr lang="en-US"/>
               <a:t>Chapter 8 Software testing</a:t>
             </a:r>
-            <a:endParaRPr lang="en-US"/>
           </a:p>
         </p:txBody>
       </p:sp>
@@ -7309,13 +6993,6 @@
   <p:clrMapOvr>
     <a:overrideClrMapping bg1="lt1" tx1="dk1" bg2="lt2" tx2="dk2" accent1="accent1" accent2="accent2" accent3="accent3" accent4="accent4" accent5="accent5" accent6="accent6" hlink="hlink" folHlink="folHlink"/>
   </p:clrMapOvr>
-  <p:timing>
-    <p:tnLst>
-      <p:par>
-        <p:cTn id="1" dur="indefinite" restart="never" nodeType="tmRoot"/>
-      </p:par>
-    </p:tnLst>
-  </p:timing>
 </p:sld>
 </file>
 
@@ -7357,15 +7034,11 @@
           <a:lstStyle/>
           <a:p>
             <a:r>
-              <a:rPr lang="en-US" dirty="0" smtClean="0"/>
-              <a:t>Interface </a:t>
-            </a:r>
-            <a:r>
               <a:rPr lang="en-US" dirty="0"/>
-              <a:t>testing</a:t>
-            </a:r>
-            <a:r>
-              <a:rPr lang="en-GB" dirty="0" smtClean="0"/>
+              <a:t>Interface testing</a:t>
+            </a:r>
+            <a:r>
+              <a:rPr lang="en-GB" dirty="0"/>
               <a:t> </a:t>
             </a:r>
             <a:endParaRPr lang="en-US" dirty="0"/>
@@ -7388,10 +7061,9 @@
           <a:lstStyle/>
           <a:p>
             <a:r>
-              <a:rPr lang="en-US" smtClean="0"/>
+              <a:rPr lang="en-US"/>
               <a:t>Chapter 8 Software testing</a:t>
             </a:r>
-            <a:endParaRPr lang="en-US"/>
           </a:p>
         </p:txBody>
       </p:sp>
@@ -7478,13 +7150,6 @@
   <p:clrMapOvr>
     <a:overrideClrMapping bg1="lt1" tx1="dk1" bg2="lt2" tx2="dk2" accent1="accent1" accent2="accent2" accent3="accent3" accent4="accent4" accent5="accent5" accent6="accent6" hlink="hlink" folHlink="folHlink"/>
   </p:clrMapOvr>
-  <p:timing>
-    <p:tnLst>
-      <p:par>
-        <p:cTn id="1" dur="indefinite" restart="never" nodeType="tmRoot"/>
-      </p:par>
-    </p:tnLst>
-  </p:timing>
 </p:sld>
 </file>
 
@@ -7607,10 +7272,9 @@
           <a:lstStyle/>
           <a:p>
             <a:r>
-              <a:rPr lang="en-US" smtClean="0"/>
+              <a:rPr lang="en-US"/>
               <a:t>Chapter 8 Software testing</a:t>
             </a:r>
-            <a:endParaRPr lang="en-US"/>
           </a:p>
         </p:txBody>
       </p:sp>
@@ -7644,13 +7308,6 @@
     <a:overrideClrMapping bg1="lt1" tx1="dk1" bg2="lt2" tx2="dk2" accent1="accent1" accent2="accent2" accent3="accent3" accent4="accent4" accent5="accent5" accent6="accent6" hlink="hlink" folHlink="folHlink"/>
   </p:clrMapOvr>
   <p:transition/>
-  <p:timing>
-    <p:tnLst>
-      <p:par>
-        <p:cTn id="1" dur="indefinite" restart="never" nodeType="tmRoot"/>
-      </p:par>
-    </p:tnLst>
-  </p:timing>
 </p:sld>
 </file>
 
@@ -7692,10 +7349,9 @@
           <a:lstStyle/>
           <a:p>
             <a:r>
-              <a:rPr lang="en-US" dirty="0" smtClean="0"/>
+              <a:rPr lang="en-US" dirty="0"/>
               <a:t>System testing</a:t>
             </a:r>
-            <a:endParaRPr lang="en-US" dirty="0"/>
           </a:p>
         </p:txBody>
       </p:sp>
@@ -7717,28 +7373,27 @@
           <a:lstStyle/>
           <a:p>
             <a:r>
-              <a:rPr lang="en-US" dirty="0" smtClean="0"/>
+              <a:rPr lang="en-US" dirty="0"/>
               <a:t>System testing during development involves integrating components to create a version of the system and then testing the integrated system.</a:t>
             </a:r>
           </a:p>
           <a:p>
             <a:r>
-              <a:rPr lang="en-US" dirty="0" smtClean="0"/>
+              <a:rPr lang="en-US" dirty="0"/>
               <a:t>The focus in system testing is testing the interactions between components. </a:t>
             </a:r>
           </a:p>
           <a:p>
             <a:r>
-              <a:rPr lang="en-US" dirty="0" smtClean="0"/>
+              <a:rPr lang="en-US" dirty="0"/>
               <a:t>System testing checks that components are compatible, interact correctly and transfer the right data at the right time across their interfaces. </a:t>
             </a:r>
           </a:p>
           <a:p>
             <a:r>
-              <a:rPr lang="en-US" dirty="0" smtClean="0"/>
+              <a:rPr lang="en-US" dirty="0"/>
               <a:t>System testing tests the emergent behavior of a system. </a:t>
             </a:r>
-            <a:endParaRPr lang="en-US" dirty="0"/>
           </a:p>
         </p:txBody>
       </p:sp>
@@ -7758,10 +7413,9 @@
           <a:lstStyle/>
           <a:p>
             <a:r>
-              <a:rPr lang="en-US" smtClean="0"/>
+              <a:rPr lang="en-US"/>
               <a:t>Chapter 8 Software testing</a:t>
             </a:r>
-            <a:endParaRPr lang="en-US"/>
           </a:p>
         </p:txBody>
       </p:sp>
@@ -7794,13 +7448,6 @@
   <p:clrMapOvr>
     <a:overrideClrMapping bg1="lt1" tx1="dk1" bg2="lt2" tx2="dk2" accent1="accent1" accent2="accent2" accent3="accent3" accent4="accent4" accent5="accent5" accent6="accent6" hlink="hlink" folHlink="folHlink"/>
   </p:clrMapOvr>
-  <p:timing>
-    <p:tnLst>
-      <p:par>
-        <p:cTn id="1" dur="indefinite" restart="never" nodeType="tmRoot"/>
-      </p:par>
-    </p:tnLst>
-  </p:timing>
 </p:sld>
 </file>
 
@@ -7844,10 +7491,9 @@
           <a:lstStyle/>
           <a:p>
             <a:r>
-              <a:rPr lang="en-US" dirty="0" smtClean="0"/>
+              <a:rPr lang="en-US" dirty="0"/>
               <a:t>System and component testing</a:t>
             </a:r>
-            <a:endParaRPr lang="en-US" dirty="0"/>
           </a:p>
         </p:txBody>
       </p:sp>
@@ -7869,18 +7515,18 @@
           <a:lstStyle/>
           <a:p>
             <a:r>
-              <a:rPr lang="en-US" dirty="0" smtClean="0"/>
+              <a:rPr lang="en-US" dirty="0"/>
               <a:t>During system testing, reusable components that have been separately developed and off-the-shelf systems may be integrated with newly developed components. </a:t>
             </a:r>
             <a:r>
-              <a:rPr lang="en-US" i="1" dirty="0" smtClean="0">
+              <a:rPr lang="en-US" i="1" dirty="0">
                 <a:solidFill>
                   <a:srgbClr val="FF0000"/>
                 </a:solidFill>
               </a:rPr>
               <a:t>The complete system is then tested.</a:t>
             </a:r>
-            <a:endParaRPr lang="en-GB" i="1" dirty="0" smtClean="0">
+            <a:endParaRPr lang="en-GB" i="1" dirty="0">
               <a:solidFill>
                 <a:srgbClr val="FF0000"/>
               </a:solidFill>
@@ -7888,7 +7534,7 @@
           </a:p>
           <a:p>
             <a:r>
-              <a:rPr lang="en-US" dirty="0" smtClean="0"/>
+              <a:rPr lang="en-US" dirty="0"/>
               <a:t>Components developed by different team members or sub-teams may be integrated at this stage. System testing is a collective rather than an individual process. </a:t>
             </a:r>
           </a:p>
@@ -7910,10 +7556,9 @@
           <a:lstStyle/>
           <a:p>
             <a:r>
-              <a:rPr lang="en-US" smtClean="0"/>
+              <a:rPr lang="en-US"/>
               <a:t>Chapter 8 Software testing</a:t>
             </a:r>
-            <a:endParaRPr lang="en-US"/>
           </a:p>
         </p:txBody>
       </p:sp>
@@ -7946,13 +7591,6 @@
   <p:clrMapOvr>
     <a:overrideClrMapping bg1="lt1" tx1="dk1" bg2="lt2" tx2="dk2" accent1="accent1" accent2="accent2" accent3="accent3" accent4="accent4" accent5="accent5" accent6="accent6" hlink="hlink" folHlink="folHlink"/>
   </p:clrMapOvr>
-  <p:timing>
-    <p:tnLst>
-      <p:par>
-        <p:cTn id="1" dur="indefinite" restart="never" nodeType="tmRoot"/>
-      </p:par>
-    </p:tnLst>
-  </p:timing>
 </p:sld>
 </file>
 
@@ -7994,10 +7632,9 @@
           <a:lstStyle/>
           <a:p>
             <a:r>
-              <a:rPr lang="en-US" dirty="0" smtClean="0"/>
+              <a:rPr lang="en-US" dirty="0"/>
               <a:t>Use-case testing</a:t>
             </a:r>
-            <a:endParaRPr lang="en-US" dirty="0"/>
           </a:p>
         </p:txBody>
       </p:sp>
@@ -8019,22 +7656,21 @@
           <a:lstStyle/>
           <a:p>
             <a:r>
-              <a:rPr lang="en-US" dirty="0" smtClean="0"/>
+              <a:rPr lang="en-US" dirty="0"/>
               <a:t>The use-cases developed to identify system interactions can be used as a basis for system testing.</a:t>
             </a:r>
           </a:p>
           <a:p>
             <a:r>
-              <a:rPr lang="en-US" dirty="0" smtClean="0"/>
+              <a:rPr lang="en-US" dirty="0"/>
               <a:t>Each use case usually involves several system components so testing the use case forces these interactions to occur.</a:t>
             </a:r>
           </a:p>
           <a:p>
             <a:r>
-              <a:rPr lang="en-US" dirty="0" smtClean="0"/>
+              <a:rPr lang="en-US" dirty="0"/>
               <a:t>The sequence diagrams associated with the use case documents the components and interactions that are being tested.</a:t>
             </a:r>
-            <a:endParaRPr lang="en-US" dirty="0"/>
           </a:p>
         </p:txBody>
       </p:sp>
@@ -8054,10 +7690,9 @@
           <a:lstStyle/>
           <a:p>
             <a:r>
-              <a:rPr lang="en-US" smtClean="0"/>
+              <a:rPr lang="en-US"/>
               <a:t>Chapter 8 Software testing</a:t>
             </a:r>
-            <a:endParaRPr lang="en-US"/>
           </a:p>
         </p:txBody>
       </p:sp>
@@ -8090,13 +7725,6 @@
   <p:clrMapOvr>
     <a:overrideClrMapping bg1="lt1" tx1="dk1" bg2="lt2" tx2="dk2" accent1="accent1" accent2="accent2" accent3="accent3" accent4="accent4" accent5="accent5" accent6="accent6" hlink="hlink" folHlink="folHlink"/>
   </p:clrMapOvr>
-  <p:timing>
-    <p:tnLst>
-      <p:par>
-        <p:cTn id="1" dur="indefinite" restart="never" nodeType="tmRoot"/>
-      </p:par>
-    </p:tnLst>
-  </p:timing>
 </p:sld>
 </file>
 
@@ -8140,11 +7768,11 @@
           <a:lstStyle/>
           <a:p>
             <a:r>
-              <a:rPr lang="en-US" dirty="0" smtClean="0"/>
+              <a:rPr lang="en-US" dirty="0"/>
               <a:t>Collect</a:t>
             </a:r>
             <a:r>
-              <a:rPr lang="en-US" b="1" dirty="0" smtClean="0"/>
+              <a:rPr lang="en-US" b="1" dirty="0"/>
               <a:t> </a:t>
             </a:r>
             <a:r>
@@ -8152,7 +7780,7 @@
               <a:t>weather data sequence chart</a:t>
             </a:r>
             <a:r>
-              <a:rPr lang="en-GB" dirty="0" smtClean="0"/>
+              <a:rPr lang="en-GB" dirty="0"/>
               <a:t> </a:t>
             </a:r>
             <a:endParaRPr lang="en-US" dirty="0"/>
@@ -8229,10 +7857,9 @@
           <a:lstStyle/>
           <a:p>
             <a:r>
-              <a:rPr lang="en-US" smtClean="0"/>
+              <a:rPr lang="en-US"/>
               <a:t>Chapter 8 Software testing</a:t>
             </a:r>
-            <a:endParaRPr lang="en-US"/>
           </a:p>
         </p:txBody>
       </p:sp>
@@ -8320,39 +7947,7 @@
                   <a:sysClr val="windowText" lastClr="000000"/>
                 </a:solidFill>
               </a:rPr>
-              <a:t> results in a summarized </a:t>
-            </a:r>
-            <a:r>
-              <a:rPr lang="en-CA" dirty="0" smtClean="0">
-                <a:solidFill>
-                  <a:sysClr val="windowText" lastClr="000000"/>
-                </a:solidFill>
-              </a:rPr>
-              <a:t>report being </a:t>
-            </a:r>
-            <a:r>
-              <a:rPr lang="en-CA" dirty="0">
-                <a:solidFill>
-                  <a:sysClr val="windowText" lastClr="000000"/>
-                </a:solidFill>
-              </a:rPr>
-              <a:t>generated. You can test this in isolation by creating raw data </a:t>
-            </a:r>
-            <a:r>
-              <a:rPr lang="en-CA" dirty="0" smtClean="0">
-                <a:solidFill>
-                  <a:sysClr val="windowText" lastClr="000000"/>
-                </a:solidFill>
-              </a:rPr>
-              <a:t>corresponding to </a:t>
-            </a:r>
-            <a:r>
-              <a:rPr lang="en-CA" dirty="0">
-                <a:solidFill>
-                  <a:sysClr val="windowText" lastClr="000000"/>
-                </a:solidFill>
-              </a:rPr>
-              <a:t>the summary that you have prepared for the test of </a:t>
+              <a:t> results in a summarized report being generated. You can test this in isolation by creating raw data corresponding to the summary that you have prepared for the test of </a:t>
             </a:r>
             <a:r>
               <a:rPr lang="en-CA" dirty="0" err="1">
@@ -8368,23 +7963,7 @@
                   <a:sysClr val="windowText" lastClr="000000"/>
                 </a:solidFill>
               </a:rPr>
-              <a:t> </a:t>
-            </a:r>
-            <a:r>
-              <a:rPr lang="en-CA" dirty="0" smtClean="0">
-                <a:solidFill>
-                  <a:sysClr val="windowText" lastClr="000000"/>
-                </a:solidFill>
-              </a:rPr>
-              <a:t>and checking </a:t>
-            </a:r>
-            <a:r>
-              <a:rPr lang="en-CA" dirty="0">
-                <a:solidFill>
-                  <a:sysClr val="windowText" lastClr="000000"/>
-                </a:solidFill>
-              </a:rPr>
-              <a:t>that the </a:t>
+              <a:t> and checking that the </a:t>
             </a:r>
             <a:r>
               <a:rPr lang="en-CA" dirty="0" err="1">
@@ -8400,39 +7979,7 @@
                   <a:sysClr val="windowText" lastClr="000000"/>
                 </a:solidFill>
               </a:rPr>
-              <a:t> </a:t>
-            </a:r>
-            <a:r>
-              <a:rPr lang="en-CA" dirty="0" smtClean="0">
-                <a:solidFill>
-                  <a:sysClr val="windowText" lastClr="000000"/>
-                </a:solidFill>
-              </a:rPr>
-              <a:t>object correctly </a:t>
-            </a:r>
-            <a:r>
-              <a:rPr lang="en-CA" dirty="0">
-                <a:solidFill>
-                  <a:sysClr val="windowText" lastClr="000000"/>
-                </a:solidFill>
-              </a:rPr>
-              <a:t>produces this summary. </a:t>
-            </a:r>
-            <a:r>
-              <a:rPr lang="en-CA" dirty="0" smtClean="0">
-                <a:solidFill>
-                  <a:sysClr val="windowText" lastClr="000000"/>
-                </a:solidFill>
-              </a:rPr>
-              <a:t>This raw </a:t>
-            </a:r>
-            <a:r>
-              <a:rPr lang="en-CA" dirty="0">
-                <a:solidFill>
-                  <a:sysClr val="windowText" lastClr="000000"/>
-                </a:solidFill>
-              </a:rPr>
-              <a:t>data is also used to test the </a:t>
+              <a:t> object correctly produces this summary. This raw data is also used to test the </a:t>
             </a:r>
             <a:r>
               <a:rPr lang="en-CA" dirty="0" err="1">
@@ -8580,10 +8127,9 @@
           <a:lstStyle/>
           <a:p>
             <a:r>
-              <a:rPr lang="en-US" dirty="0" smtClean="0"/>
+              <a:rPr lang="en-US" dirty="0"/>
               <a:t>Quiz</a:t>
             </a:r>
-            <a:endParaRPr lang="en-US" dirty="0"/>
           </a:p>
         </p:txBody>
       </p:sp>
@@ -8605,43 +8151,26 @@
           <a:lstStyle/>
           <a:p>
             <a:r>
-              <a:rPr lang="en-GB" dirty="0" smtClean="0"/>
+              <a:rPr lang="en-GB" dirty="0"/>
               <a:t>Name three common activities of object-oriented design process. </a:t>
             </a:r>
           </a:p>
           <a:p>
             <a:r>
-              <a:rPr lang="en-GB" dirty="0" smtClean="0"/>
-              <a:t>[True/False] Identifying </a:t>
-            </a:r>
-            <a:r>
               <a:rPr lang="en-GB" dirty="0"/>
-              <a:t>object classes is often a </a:t>
-            </a:r>
-            <a:r>
-              <a:rPr lang="en-GB" dirty="0" smtClean="0"/>
-              <a:t>easy </a:t>
-            </a:r>
+              <a:t>[True/False] Identifying object classes is often a easy part of object oriented design.</a:t>
+            </a:r>
+          </a:p>
+          <a:p>
             <a:r>
               <a:rPr lang="en-GB" dirty="0"/>
-              <a:t>part of object oriented </a:t>
-            </a:r>
-            <a:r>
-              <a:rPr lang="en-GB" dirty="0" smtClean="0"/>
-              <a:t>design.</a:t>
-            </a:r>
-          </a:p>
-          <a:p>
-            <a:r>
-              <a:rPr lang="en-GB" dirty="0" smtClean="0"/>
               <a:t>What is the difference between static model and dynamic model?</a:t>
             </a:r>
+          </a:p>
+          <a:p>
             <a:endParaRPr lang="en-GB" dirty="0"/>
           </a:p>
           <a:p>
-            <a:endParaRPr lang="en-GB" dirty="0"/>
-          </a:p>
-          <a:p>
             <a:endParaRPr lang="en-US" dirty="0"/>
           </a:p>
         </p:txBody>
@@ -8662,7 +8191,7 @@
           <a:lstStyle/>
           <a:p>
             <a:r>
-              <a:rPr lang="en-US" smtClean="0">
+              <a:rPr lang="en-US">
                 <a:solidFill>
                   <a:prstClr val="black">
                     <a:tint val="75000"/>
@@ -8671,13 +8200,6 @@
               </a:rPr>
               <a:t>Chapter 6 Architectural design</a:t>
             </a:r>
-            <a:endParaRPr lang="en-US">
-              <a:solidFill>
-                <a:prstClr val="black">
-                  <a:tint val="75000"/>
-                </a:prstClr>
-              </a:solidFill>
-            </a:endParaRPr>
           </a:p>
         </p:txBody>
       </p:sp>
@@ -8768,10 +8290,9 @@
           <a:lstStyle/>
           <a:p>
             <a:r>
-              <a:rPr lang="en-US" dirty="0" smtClean="0"/>
+              <a:rPr lang="en-US" dirty="0"/>
               <a:t>Test-driven development</a:t>
             </a:r>
-            <a:endParaRPr lang="en-US" dirty="0"/>
           </a:p>
         </p:txBody>
       </p:sp>
@@ -8793,32 +8314,32 @@
           <a:lstStyle/>
           <a:p>
             <a:r>
-              <a:rPr lang="en-US" dirty="0" smtClean="0"/>
+              <a:rPr lang="en-US" dirty="0"/>
               <a:t>Test-driven development (TDD) is an approach to program development in which you inter-leave testing and code development.</a:t>
             </a:r>
           </a:p>
           <a:p>
             <a:r>
-              <a:rPr lang="en-US" dirty="0" smtClean="0"/>
+              <a:rPr lang="en-US" dirty="0"/>
               <a:t>Tests are written before code and ‘passing’ the tests is the critical driver of development. </a:t>
             </a:r>
           </a:p>
           <a:p>
             <a:r>
-              <a:rPr lang="en-US" dirty="0" smtClean="0"/>
+              <a:rPr lang="en-US" dirty="0"/>
               <a:t>You develop code incrementally, along with a test for that increment. You don’t move on to the next increment until the code that you have developed passes its test. </a:t>
             </a:r>
           </a:p>
           <a:p>
             <a:r>
-              <a:rPr lang="en-US" dirty="0" smtClean="0">
+              <a:rPr lang="en-US" dirty="0">
                 <a:solidFill>
                   <a:srgbClr val="FF0000"/>
                 </a:solidFill>
               </a:rPr>
               <a:t>TDD was introduced as part of agile methods such as Extreme Programming. However, it can also be used in plan-driven development processes. </a:t>
             </a:r>
-            <a:endParaRPr lang="en-GB" dirty="0" smtClean="0">
+            <a:endParaRPr lang="en-GB" dirty="0">
               <a:solidFill>
                 <a:srgbClr val="FF0000"/>
               </a:solidFill>
@@ -8845,10 +8366,9 @@
           <a:lstStyle/>
           <a:p>
             <a:r>
-              <a:rPr lang="en-US" smtClean="0"/>
+              <a:rPr lang="en-US"/>
               <a:t>Chapter 8 Software testing</a:t>
             </a:r>
-            <a:endParaRPr lang="en-US"/>
           </a:p>
         </p:txBody>
       </p:sp>
@@ -8881,13 +8401,6 @@
   <p:clrMapOvr>
     <a:overrideClrMapping bg1="lt1" tx1="dk1" bg2="lt2" tx2="dk2" accent1="accent1" accent2="accent2" accent3="accent3" accent4="accent4" accent5="accent5" accent6="accent6" hlink="hlink" folHlink="folHlink"/>
   </p:clrMapOvr>
-  <p:timing>
-    <p:tnLst>
-      <p:par>
-        <p:cTn id="1" dur="indefinite" restart="never" nodeType="tmRoot"/>
-      </p:par>
-    </p:tnLst>
-  </p:timing>
 </p:sld>
 </file>
 
@@ -8929,18 +8442,9 @@
           <a:lstStyle/>
           <a:p>
             <a:r>
-              <a:rPr lang="en-US" dirty="0" smtClean="0"/>
-              <a:t>Test</a:t>
-            </a:r>
-            <a:r>
               <a:rPr lang="en-US" dirty="0"/>
-              <a:t>-driven </a:t>
-            </a:r>
-            <a:r>
-              <a:rPr lang="en-US" dirty="0" smtClean="0"/>
-              <a:t>development</a:t>
-            </a:r>
-            <a:endParaRPr lang="en-US" dirty="0"/>
+              <a:t>Test-driven development</a:t>
+            </a:r>
           </a:p>
         </p:txBody>
       </p:sp>
@@ -8960,10 +8464,9 @@
           <a:lstStyle/>
           <a:p>
             <a:r>
-              <a:rPr lang="en-US" smtClean="0"/>
+              <a:rPr lang="en-US"/>
               <a:t>Chapter 8 Software testing</a:t>
             </a:r>
-            <a:endParaRPr lang="en-US"/>
           </a:p>
         </p:txBody>
       </p:sp>
@@ -9050,13 +8553,6 @@
   <p:clrMapOvr>
     <a:overrideClrMapping bg1="lt1" tx1="dk1" bg2="lt2" tx2="dk2" accent1="accent1" accent2="accent2" accent3="accent3" accent4="accent4" accent5="accent5" accent6="accent6" hlink="hlink" folHlink="folHlink"/>
   </p:clrMapOvr>
-  <p:timing>
-    <p:tnLst>
-      <p:par>
-        <p:cTn id="1" dur="indefinite" restart="never" nodeType="tmRoot"/>
-      </p:par>
-    </p:tnLst>
-  </p:timing>
 </p:sld>
 </file>
 
@@ -9100,10 +8596,9 @@
           <a:lstStyle/>
           <a:p>
             <a:r>
-              <a:rPr lang="en-US" dirty="0" smtClean="0"/>
+              <a:rPr lang="en-US" dirty="0"/>
               <a:t>Benefits of test-driven development</a:t>
             </a:r>
-            <a:endParaRPr lang="en-US" dirty="0"/>
           </a:p>
         </p:txBody>
       </p:sp>
@@ -9125,7 +8620,7 @@
           <a:lstStyle/>
           <a:p>
             <a:r>
-              <a:rPr lang="en-US" b="1" dirty="0" smtClean="0">
+              <a:rPr lang="en-US" b="1" dirty="0">
                 <a:solidFill>
                   <a:srgbClr val="000000"/>
                 </a:solidFill>
@@ -9136,14 +8631,14 @@
           <a:p>
             <a:pPr lvl="1"/>
             <a:r>
-              <a:rPr lang="en-US" dirty="0" smtClean="0"/>
+              <a:rPr lang="en-US" dirty="0"/>
               <a:t>Every code segment that you write has at least one associated test so all code written has at least one test.</a:t>
             </a:r>
-            <a:endParaRPr lang="en-GB" dirty="0" smtClean="0"/>
-          </a:p>
-          <a:p>
-            <a:r>
-              <a:rPr lang="en-US" b="1" dirty="0" smtClean="0">
+            <a:endParaRPr lang="en-GB" dirty="0"/>
+          </a:p>
+          <a:p>
+            <a:r>
+              <a:rPr lang="en-US" b="1" dirty="0">
                 <a:solidFill>
                   <a:srgbClr val="000000"/>
                 </a:solidFill>
@@ -9154,14 +8649,14 @@
           <a:p>
             <a:pPr lvl="1"/>
             <a:r>
-              <a:rPr lang="en-US" dirty="0" smtClean="0"/>
+              <a:rPr lang="en-US" dirty="0"/>
               <a:t>A regression test suite is developed incrementally as a program is developed. </a:t>
             </a:r>
-            <a:endParaRPr lang="en-GB" dirty="0" smtClean="0"/>
-          </a:p>
-          <a:p>
-            <a:r>
-              <a:rPr lang="en-US" b="1" dirty="0" smtClean="0">
+            <a:endParaRPr lang="en-GB" dirty="0"/>
+          </a:p>
+          <a:p>
+            <a:r>
+              <a:rPr lang="en-US" b="1" dirty="0">
                 <a:solidFill>
                   <a:srgbClr val="000000"/>
                 </a:solidFill>
@@ -9172,14 +8667,14 @@
           <a:p>
             <a:pPr lvl="1"/>
             <a:r>
-              <a:rPr lang="en-US" dirty="0" smtClean="0"/>
+              <a:rPr lang="en-US" dirty="0"/>
               <a:t>When a test fails, it should be obvious where the problem lies. The newly written code needs to be checked and modified. </a:t>
             </a:r>
-            <a:endParaRPr lang="en-GB" dirty="0" smtClean="0"/>
-          </a:p>
-          <a:p>
-            <a:r>
-              <a:rPr lang="en-US" b="1" dirty="0" smtClean="0">
+            <a:endParaRPr lang="en-GB" dirty="0"/>
+          </a:p>
+          <a:p>
+            <a:r>
+              <a:rPr lang="en-US" b="1" dirty="0">
                 <a:solidFill>
                   <a:srgbClr val="000000"/>
                 </a:solidFill>
@@ -9190,10 +8685,10 @@
           <a:p>
             <a:pPr lvl="1"/>
             <a:r>
-              <a:rPr lang="en-US" dirty="0" smtClean="0"/>
+              <a:rPr lang="en-US" dirty="0"/>
               <a:t>The tests themselves are a form of documentation that describe what the code should be doing. </a:t>
             </a:r>
-            <a:endParaRPr lang="en-GB" dirty="0" smtClean="0"/>
+            <a:endParaRPr lang="en-GB" dirty="0"/>
           </a:p>
           <a:p>
             <a:endParaRPr lang="en-US" dirty="0"/>
@@ -9216,10 +8711,9 @@
           <a:lstStyle/>
           <a:p>
             <a:r>
-              <a:rPr lang="en-US" smtClean="0"/>
+              <a:rPr lang="en-US"/>
               <a:t>Chapter 8 Software testing</a:t>
             </a:r>
-            <a:endParaRPr lang="en-US"/>
           </a:p>
         </p:txBody>
       </p:sp>
@@ -9252,13 +8746,6 @@
   <p:clrMapOvr>
     <a:overrideClrMapping bg1="lt1" tx1="dk1" bg2="lt2" tx2="dk2" accent1="accent1" accent2="accent2" accent3="accent3" accent4="accent4" accent5="accent5" accent6="accent6" hlink="hlink" folHlink="folHlink"/>
   </p:clrMapOvr>
-  <p:timing>
-    <p:tnLst>
-      <p:par>
-        <p:cTn id="1" dur="indefinite" restart="never" nodeType="tmRoot"/>
-      </p:par>
-    </p:tnLst>
-  </p:timing>
 </p:sld>
 </file>
 
@@ -9300,10 +8787,9 @@
           <a:lstStyle/>
           <a:p>
             <a:r>
-              <a:rPr lang="en-US" dirty="0" smtClean="0"/>
+              <a:rPr lang="en-US" dirty="0"/>
               <a:t>Regression testing</a:t>
             </a:r>
-            <a:endParaRPr lang="en-US" dirty="0"/>
           </a:p>
         </p:txBody>
       </p:sp>
@@ -9325,19 +8811,19 @@
           <a:lstStyle/>
           <a:p>
             <a:r>
-              <a:rPr lang="en-US" dirty="0" smtClean="0"/>
+              <a:rPr lang="en-US" dirty="0"/>
               <a:t>Regression testing is testing the system to check that changes have not ‘broken’ previously working code.</a:t>
             </a:r>
           </a:p>
           <a:p>
             <a:r>
-              <a:rPr lang="en-US" dirty="0" smtClean="0"/>
+              <a:rPr lang="en-US" dirty="0"/>
               <a:t>In a manual testing process, regression testing is expensive but, with automated testing, it is simple and straightforward. All tests are rerun every time a change is made to the program.</a:t>
             </a:r>
           </a:p>
           <a:p>
             <a:r>
-              <a:rPr lang="en-US" b="1" dirty="0" smtClean="0">
+              <a:rPr lang="en-US" b="1" dirty="0">
                 <a:solidFill>
                   <a:srgbClr val="00B050"/>
                 </a:solidFill>
@@ -9369,10 +8855,9 @@
           <a:lstStyle/>
           <a:p>
             <a:r>
-              <a:rPr lang="en-US" smtClean="0"/>
+              <a:rPr lang="en-US"/>
               <a:t>Chapter 8 Software testing</a:t>
             </a:r>
-            <a:endParaRPr lang="en-US"/>
           </a:p>
         </p:txBody>
       </p:sp>
@@ -9405,13 +8890,6 @@
   <p:clrMapOvr>
     <a:overrideClrMapping bg1="lt1" tx1="dk1" bg2="lt2" tx2="dk2" accent1="accent1" accent2="accent2" accent3="accent3" accent4="accent4" accent5="accent5" accent6="accent6" hlink="hlink" folHlink="folHlink"/>
   </p:clrMapOvr>
-  <p:timing>
-    <p:tnLst>
-      <p:par>
-        <p:cTn id="1" dur="indefinite" restart="never" nodeType="tmRoot"/>
-      </p:par>
-    </p:tnLst>
-  </p:timing>
 </p:sld>
 </file>
 
@@ -9453,10 +8931,9 @@
           <a:lstStyle/>
           <a:p>
             <a:r>
-              <a:rPr lang="en-US" dirty="0" smtClean="0"/>
+              <a:rPr lang="en-US" dirty="0"/>
               <a:t>Release testing</a:t>
             </a:r>
-            <a:endParaRPr lang="en-US" dirty="0"/>
           </a:p>
         </p:txBody>
       </p:sp>
@@ -9483,49 +8960,49 @@
           <a:lstStyle/>
           <a:p>
             <a:r>
-              <a:rPr lang="en-US" dirty="0" smtClean="0"/>
+              <a:rPr lang="en-US" dirty="0"/>
               <a:t>Release testing is the process of testing a particular release of a system that is intended for use outside of the development team.</a:t>
             </a:r>
             <a:r>
-              <a:rPr lang="en-GB" dirty="0" smtClean="0"/>
+              <a:rPr lang="en-GB" dirty="0"/>
               <a:t> </a:t>
             </a:r>
           </a:p>
           <a:p>
             <a:r>
-              <a:rPr lang="en-US" dirty="0" smtClean="0"/>
+              <a:rPr lang="en-US" dirty="0"/>
               <a:t>The primary goal of the release testing process is to convince the supplier of the system that it is good enough for use</a:t>
             </a:r>
             <a:r>
-              <a:rPr lang="en-GB" dirty="0" smtClean="0"/>
+              <a:rPr lang="en-GB" dirty="0"/>
               <a:t>.</a:t>
             </a:r>
           </a:p>
           <a:p>
             <a:pPr lvl="1"/>
             <a:r>
-              <a:rPr lang="en-US" dirty="0" smtClean="0"/>
+              <a:rPr lang="en-US" dirty="0"/>
               <a:t>Release testing, therefore, has to show that the system delivers its specified functionality, performance and dependability, and that it does not fail during normal use.</a:t>
             </a:r>
             <a:r>
-              <a:rPr lang="en-GB" dirty="0" smtClean="0"/>
+              <a:rPr lang="en-GB" dirty="0"/>
               <a:t> </a:t>
             </a:r>
           </a:p>
           <a:p>
             <a:r>
-              <a:rPr lang="en-US" dirty="0" smtClean="0"/>
+              <a:rPr lang="en-US" dirty="0"/>
               <a:t>Release testing is usually a </a:t>
             </a:r>
             <a:r>
-              <a:rPr lang="en-US" b="1" dirty="0" smtClean="0"/>
+              <a:rPr lang="en-US" b="1" dirty="0"/>
               <a:t>black-box</a:t>
             </a:r>
             <a:r>
-              <a:rPr lang="en-US" dirty="0" smtClean="0"/>
+              <a:rPr lang="en-US" dirty="0"/>
               <a:t> testing process where tests are only derived from the system specification. </a:t>
             </a:r>
-            <a:endParaRPr lang="en-GB" dirty="0" smtClean="0"/>
+            <a:endParaRPr lang="en-GB" dirty="0"/>
           </a:p>
           <a:p>
             <a:endParaRPr lang="en-US" dirty="0"/>
@@ -9548,10 +9025,9 @@
           <a:lstStyle/>
           <a:p>
             <a:r>
-              <a:rPr lang="en-US" smtClean="0"/>
+              <a:rPr lang="en-US"/>
               <a:t>Chapter 8 Software testing</a:t>
             </a:r>
-            <a:endParaRPr lang="en-US"/>
           </a:p>
         </p:txBody>
       </p:sp>
@@ -9584,13 +9060,6 @@
   <p:clrMapOvr>
     <a:overrideClrMapping bg1="lt1" tx1="dk1" bg2="lt2" tx2="dk2" accent1="accent1" accent2="accent2" accent3="accent3" accent4="accent4" accent5="accent5" accent6="accent6" hlink="hlink" folHlink="folHlink"/>
   </p:clrMapOvr>
-  <p:timing>
-    <p:tnLst>
-      <p:par>
-        <p:cTn id="1" dur="indefinite" restart="never" nodeType="tmRoot"/>
-      </p:par>
-    </p:tnLst>
-  </p:timing>
 </p:sld>
 </file>
 
@@ -9634,10 +9103,9 @@
           <a:lstStyle/>
           <a:p>
             <a:r>
-              <a:rPr lang="en-US" dirty="0" smtClean="0"/>
+              <a:rPr lang="en-US" dirty="0"/>
               <a:t>Release testing and system testing</a:t>
             </a:r>
-            <a:endParaRPr lang="en-US" dirty="0"/>
           </a:p>
         </p:txBody>
       </p:sp>
@@ -9659,47 +9127,47 @@
           <a:lstStyle/>
           <a:p>
             <a:r>
-              <a:rPr lang="en-US" dirty="0" smtClean="0"/>
+              <a:rPr lang="en-US" dirty="0"/>
               <a:t>Release testing is a form of system testing.</a:t>
             </a:r>
           </a:p>
           <a:p>
             <a:r>
-              <a:rPr lang="en-US" dirty="0" smtClean="0"/>
+              <a:rPr lang="en-US" dirty="0"/>
               <a:t>Important differences:</a:t>
             </a:r>
           </a:p>
           <a:p>
             <a:pPr lvl="1"/>
             <a:r>
-              <a:rPr lang="en-US" dirty="0" smtClean="0"/>
+              <a:rPr lang="en-US" dirty="0"/>
               <a:t>A separate team that has not been involved in the system development, should be responsible for release testing.</a:t>
             </a:r>
-            <a:endParaRPr lang="en-GB" dirty="0" smtClean="0"/>
+            <a:endParaRPr lang="en-GB" dirty="0"/>
           </a:p>
           <a:p>
             <a:pPr lvl="1"/>
             <a:r>
-              <a:rPr lang="en-US" dirty="0" smtClean="0"/>
+              <a:rPr lang="en-US" dirty="0"/>
               <a:t>System testing by the development team should focus on discovering bugs in the system (</a:t>
             </a:r>
             <a:r>
-              <a:rPr lang="en-US" i="1" u="sng" dirty="0" smtClean="0"/>
+              <a:rPr lang="en-US" i="1" u="sng" dirty="0"/>
               <a:t>defect testing</a:t>
             </a:r>
             <a:r>
-              <a:rPr lang="en-US" dirty="0" smtClean="0"/>
+              <a:rPr lang="en-US" dirty="0"/>
               <a:t>). The objective of release testing is to check that the system meets its requirements and is good enough for external use (</a:t>
             </a:r>
             <a:r>
-              <a:rPr lang="en-US" i="1" u="sng" dirty="0" smtClean="0"/>
+              <a:rPr lang="en-US" i="1" u="sng" dirty="0"/>
               <a:t>validation testing</a:t>
             </a:r>
             <a:r>
-              <a:rPr lang="en-US" dirty="0" smtClean="0"/>
+              <a:rPr lang="en-US" dirty="0"/>
               <a:t>).</a:t>
             </a:r>
-            <a:endParaRPr lang="en-GB" dirty="0" smtClean="0"/>
+            <a:endParaRPr lang="en-GB" dirty="0"/>
           </a:p>
           <a:p>
             <a:endParaRPr lang="en-US" dirty="0"/>
@@ -9722,10 +9190,9 @@
           <a:lstStyle/>
           <a:p>
             <a:r>
-              <a:rPr lang="en-US" smtClean="0"/>
+              <a:rPr lang="en-US"/>
               <a:t>Chapter 8 Software testing</a:t>
             </a:r>
-            <a:endParaRPr lang="en-US"/>
           </a:p>
         </p:txBody>
       </p:sp>
@@ -9758,13 +9225,6 @@
   <p:clrMapOvr>
     <a:overrideClrMapping bg1="lt1" tx1="dk1" bg2="lt2" tx2="dk2" accent1="accent1" accent2="accent2" accent3="accent3" accent4="accent4" accent5="accent5" accent6="accent6" hlink="hlink" folHlink="folHlink"/>
   </p:clrMapOvr>
-  <p:timing>
-    <p:tnLst>
-      <p:par>
-        <p:cTn id="1" dur="indefinite" restart="never" nodeType="tmRoot"/>
-      </p:par>
-    </p:tnLst>
-  </p:timing>
 </p:sld>
 </file>
 
@@ -9806,10 +9266,9 @@
           <a:lstStyle/>
           <a:p>
             <a:r>
-              <a:rPr lang="en-US" dirty="0" smtClean="0"/>
+              <a:rPr lang="en-US" dirty="0"/>
               <a:t>User testing</a:t>
             </a:r>
-            <a:endParaRPr lang="en-US" dirty="0"/>
           </a:p>
         </p:txBody>
       </p:sp>
@@ -9831,25 +9290,17 @@
           <a:lstStyle/>
           <a:p>
             <a:r>
-              <a:rPr lang="en-US" dirty="0" smtClean="0"/>
+              <a:rPr lang="en-US" dirty="0"/>
               <a:t>User or customer testing is a stage in the testing process in which users or customers provide input and advice on system testing. </a:t>
             </a:r>
           </a:p>
           <a:p>
             <a:r>
-              <a:rPr lang="en-US" dirty="0" smtClean="0"/>
-              <a:t>User testing is essential, even when comprehensive system and release testing have been carried out</a:t>
-            </a:r>
-            <a:r>
               <a:rPr lang="en-US" dirty="0"/>
-              <a:t> </a:t>
-            </a:r>
-            <a:r>
-              <a:rPr lang="en-US" dirty="0" smtClean="0"/>
-              <a:t>(</a:t>
-            </a:r>
-            <a:r>
-              <a:rPr lang="en-US" b="1" dirty="0" smtClean="0">
+              <a:t>User testing is essential, even when comprehensive system and release testing have been carried out (</a:t>
+            </a:r>
+            <a:r>
+              <a:rPr lang="en-US" b="1" dirty="0">
                 <a:solidFill>
                   <a:srgbClr val="FF0000"/>
                 </a:solidFill>
@@ -9857,17 +9308,17 @@
               <a:t>WHY?</a:t>
             </a:r>
             <a:r>
-              <a:rPr lang="en-US" dirty="0" smtClean="0"/>
+              <a:rPr lang="en-US" dirty="0"/>
               <a:t>) </a:t>
             </a:r>
           </a:p>
           <a:p>
             <a:pPr lvl="1"/>
             <a:r>
-              <a:rPr lang="en-US" dirty="0" smtClean="0"/>
+              <a:rPr lang="en-US" dirty="0"/>
               <a:t>The reason for this is that influences from the user’s working environment have a major effect on the reliability, performance, usability and robustness of a system. These cannot be replicated in a testing environment.</a:t>
             </a:r>
-            <a:endParaRPr lang="en-GB" dirty="0" smtClean="0"/>
+            <a:endParaRPr lang="en-GB" dirty="0"/>
           </a:p>
           <a:p>
             <a:endParaRPr lang="en-US" dirty="0"/>
@@ -9890,10 +9341,9 @@
           <a:lstStyle/>
           <a:p>
             <a:r>
-              <a:rPr lang="en-US" smtClean="0"/>
+              <a:rPr lang="en-US"/>
               <a:t>Chapter 8 Software testing</a:t>
             </a:r>
-            <a:endParaRPr lang="en-US"/>
           </a:p>
         </p:txBody>
       </p:sp>
@@ -9926,13 +9376,6 @@
   <p:clrMapOvr>
     <a:overrideClrMapping bg1="lt1" tx1="dk1" bg2="lt2" tx2="dk2" accent1="accent1" accent2="accent2" accent3="accent3" accent4="accent4" accent5="accent5" accent6="accent6" hlink="hlink" folHlink="folHlink"/>
   </p:clrMapOvr>
-  <p:timing>
-    <p:tnLst>
-      <p:par>
-        <p:cTn id="1" dur="indefinite" restart="never" nodeType="tmRoot"/>
-      </p:par>
-    </p:tnLst>
-  </p:timing>
 </p:sld>
 </file>
 
@@ -9974,10 +9417,9 @@
           <a:lstStyle/>
           <a:p>
             <a:r>
-              <a:rPr lang="en-US" dirty="0" smtClean="0"/>
+              <a:rPr lang="en-US" dirty="0"/>
               <a:t>Types of user testing</a:t>
             </a:r>
-            <a:endParaRPr lang="en-US" dirty="0"/>
           </a:p>
         </p:txBody>
       </p:sp>
@@ -10004,45 +9446,45 @@
           <a:lstStyle/>
           <a:p>
             <a:r>
-              <a:rPr lang="en-US" sz="2800" b="1" dirty="0" smtClean="0"/>
+              <a:rPr lang="en-US" sz="2800" b="1" dirty="0"/>
               <a:t>Alpha testing</a:t>
             </a:r>
           </a:p>
           <a:p>
             <a:pPr lvl="1"/>
             <a:r>
-              <a:rPr lang="en-US" sz="2400" dirty="0" smtClean="0"/>
+              <a:rPr lang="en-US" sz="2400" dirty="0"/>
               <a:t>Users of the software work with the development team to test the software at the developer’s site.</a:t>
             </a:r>
-            <a:endParaRPr lang="en-GB" sz="2400" dirty="0" smtClean="0"/>
-          </a:p>
-          <a:p>
-            <a:r>
-              <a:rPr lang="en-US" sz="2800" b="1" dirty="0" smtClean="0"/>
+            <a:endParaRPr lang="en-GB" sz="2400" dirty="0"/>
+          </a:p>
+          <a:p>
+            <a:r>
+              <a:rPr lang="en-US" sz="2800" b="1" dirty="0"/>
               <a:t>Beta testing</a:t>
             </a:r>
           </a:p>
           <a:p>
             <a:pPr lvl="1"/>
             <a:r>
-              <a:rPr lang="en-US" sz="2400" dirty="0" smtClean="0"/>
+              <a:rPr lang="en-US" sz="2400" dirty="0"/>
               <a:t>A release of the software is made available to users to allow them to experiment and to raise problems that they discover with the system developers.</a:t>
             </a:r>
-            <a:endParaRPr lang="en-GB" sz="2400" dirty="0" smtClean="0"/>
-          </a:p>
-          <a:p>
-            <a:r>
-              <a:rPr lang="en-US" sz="2800" b="1" dirty="0" smtClean="0"/>
+            <a:endParaRPr lang="en-GB" sz="2400" dirty="0"/>
+          </a:p>
+          <a:p>
+            <a:r>
+              <a:rPr lang="en-US" sz="2800" b="1" dirty="0"/>
               <a:t>Acceptance testing</a:t>
             </a:r>
           </a:p>
           <a:p>
             <a:pPr lvl="1"/>
             <a:r>
-              <a:rPr lang="en-US" sz="2400" dirty="0" smtClean="0"/>
+              <a:rPr lang="en-US" sz="2400" dirty="0"/>
               <a:t>Customers test a system to decide whether or not it is ready to be accepted from the system developers and deployed in the customer environment. Primarily for custom systems.</a:t>
             </a:r>
-            <a:endParaRPr lang="en-GB" sz="2400" dirty="0" smtClean="0"/>
+            <a:endParaRPr lang="en-GB" sz="2400" dirty="0"/>
           </a:p>
         </p:txBody>
       </p:sp>
@@ -10062,10 +9504,9 @@
           <a:lstStyle/>
           <a:p>
             <a:r>
-              <a:rPr lang="en-US" smtClean="0"/>
+              <a:rPr lang="en-US"/>
               <a:t>Chapter 8 Software testing</a:t>
             </a:r>
-            <a:endParaRPr lang="en-US"/>
           </a:p>
         </p:txBody>
       </p:sp>
@@ -10098,13 +9539,6 @@
   <p:clrMapOvr>
     <a:overrideClrMapping bg1="lt1" tx1="dk1" bg2="lt2" tx2="dk2" accent1="accent1" accent2="accent2" accent3="accent3" accent4="accent4" accent5="accent5" accent6="accent6" hlink="hlink" folHlink="folHlink"/>
   </p:clrMapOvr>
-  <p:timing>
-    <p:tnLst>
-      <p:par>
-        <p:cTn id="1" dur="indefinite" restart="never" nodeType="tmRoot"/>
-      </p:par>
-    </p:tnLst>
-  </p:timing>
 </p:sld>
 </file>
 
@@ -10148,15 +9582,11 @@
           <a:lstStyle/>
           <a:p>
             <a:r>
-              <a:rPr lang="en-US" dirty="0" smtClean="0"/>
-              <a:t>The </a:t>
-            </a:r>
-            <a:r>
               <a:rPr lang="en-US" dirty="0"/>
-              <a:t>acceptance testing process</a:t>
-            </a:r>
-            <a:r>
-              <a:rPr lang="en-GB" dirty="0" smtClean="0"/>
+              <a:t>The acceptance testing process</a:t>
+            </a:r>
+            <a:r>
+              <a:rPr lang="en-GB" dirty="0"/>
               <a:t> </a:t>
             </a:r>
             <a:endParaRPr lang="en-US" dirty="0"/>
@@ -10179,10 +9609,9 @@
           <a:lstStyle/>
           <a:p>
             <a:r>
-              <a:rPr lang="en-US" smtClean="0"/>
+              <a:rPr lang="en-US"/>
               <a:t>Chapter 8 Software testing</a:t>
             </a:r>
-            <a:endParaRPr lang="en-US"/>
           </a:p>
         </p:txBody>
       </p:sp>
@@ -10269,13 +9698,6 @@
   <p:clrMapOvr>
     <a:overrideClrMapping bg1="lt1" tx1="dk1" bg2="lt2" tx2="dk2" accent1="accent1" accent2="accent2" accent3="accent3" accent4="accent4" accent5="accent5" accent6="accent6" hlink="hlink" folHlink="folHlink"/>
   </p:clrMapOvr>
-  <p:timing>
-    <p:tnLst>
-      <p:par>
-        <p:cTn id="1" dur="indefinite" restart="never" nodeType="tmRoot"/>
-      </p:par>
-    </p:tnLst>
-  </p:timing>
 </p:sld>
 </file>
 
@@ -10319,10 +9741,9 @@
           <a:lstStyle/>
           <a:p>
             <a:r>
-              <a:rPr lang="en-US" dirty="0" smtClean="0"/>
+              <a:rPr lang="en-US" dirty="0"/>
               <a:t>Stages in the acceptance testing process</a:t>
             </a:r>
-            <a:endParaRPr lang="en-US" dirty="0"/>
           </a:p>
         </p:txBody>
       </p:sp>
@@ -10344,40 +9765,39 @@
           <a:lstStyle/>
           <a:p>
             <a:r>
-              <a:rPr lang="en-US" dirty="0" smtClean="0"/>
+              <a:rPr lang="en-US" dirty="0"/>
               <a:t>Define acceptance criteria</a:t>
             </a:r>
           </a:p>
           <a:p>
             <a:r>
-              <a:rPr lang="en-US" dirty="0" smtClean="0"/>
+              <a:rPr lang="en-US" dirty="0"/>
               <a:t>Plan acceptance testing</a:t>
             </a:r>
           </a:p>
           <a:p>
             <a:r>
-              <a:rPr lang="en-US" dirty="0" smtClean="0"/>
+              <a:rPr lang="en-US" dirty="0"/>
               <a:t>Derive acceptance tests</a:t>
             </a:r>
           </a:p>
           <a:p>
             <a:r>
-              <a:rPr lang="en-US" dirty="0" smtClean="0"/>
+              <a:rPr lang="en-US" dirty="0"/>
               <a:t>Run acceptance tests</a:t>
             </a:r>
           </a:p>
           <a:p>
             <a:r>
-              <a:rPr lang="en-US" dirty="0" smtClean="0"/>
+              <a:rPr lang="en-US" dirty="0"/>
               <a:t>Negotiate test results</a:t>
             </a:r>
           </a:p>
           <a:p>
             <a:r>
-              <a:rPr lang="en-US" dirty="0" smtClean="0"/>
+              <a:rPr lang="en-US" dirty="0"/>
               <a:t>Reject/accept system</a:t>
             </a:r>
-            <a:endParaRPr lang="en-US" dirty="0"/>
           </a:p>
         </p:txBody>
       </p:sp>
@@ -10397,10 +9817,9 @@
           <a:lstStyle/>
           <a:p>
             <a:r>
-              <a:rPr lang="en-US" smtClean="0"/>
+              <a:rPr lang="en-US"/>
               <a:t>Chapter 8 Software testing</a:t>
             </a:r>
-            <a:endParaRPr lang="en-US"/>
           </a:p>
         </p:txBody>
       </p:sp>
@@ -10433,13 +9852,6 @@
   <p:clrMapOvr>
     <a:overrideClrMapping bg1="lt1" tx1="dk1" bg2="lt2" tx2="dk2" accent1="accent1" accent2="accent2" accent3="accent3" accent4="accent4" accent5="accent5" accent6="accent6" hlink="hlink" folHlink="folHlink"/>
   </p:clrMapOvr>
-  <p:timing>
-    <p:tnLst>
-      <p:par>
-        <p:cTn id="1" dur="indefinite" restart="never" nodeType="tmRoot"/>
-      </p:par>
-    </p:tnLst>
-  </p:timing>
 </p:sld>
 </file>
 
@@ -10481,10 +9893,9 @@
           <a:lstStyle/>
           <a:p>
             <a:r>
-              <a:rPr lang="en-US" dirty="0" smtClean="0"/>
+              <a:rPr lang="en-US" dirty="0"/>
               <a:t>Program testing</a:t>
             </a:r>
-            <a:endParaRPr lang="en-US" dirty="0"/>
           </a:p>
         </p:txBody>
       </p:sp>
@@ -10506,41 +9917,41 @@
           <a:lstStyle/>
           <a:p>
             <a:r>
-              <a:rPr lang="en-US" sz="2200" dirty="0" smtClean="0"/>
+              <a:rPr lang="en-US" sz="2200" dirty="0"/>
               <a:t>Testing is intended to show that a program does what it is intended to do and to discover program defects before it is put into use. </a:t>
             </a:r>
           </a:p>
           <a:p>
             <a:r>
-              <a:rPr lang="en-US" sz="2200" dirty="0" smtClean="0"/>
+              <a:rPr lang="en-US" sz="2200" dirty="0"/>
               <a:t>When you test software, you execute a program using artificial data. </a:t>
             </a:r>
           </a:p>
           <a:p>
             <a:r>
-              <a:rPr lang="en-US" sz="2200" dirty="0" smtClean="0"/>
+              <a:rPr lang="en-US" sz="2200" dirty="0"/>
               <a:t>You check the results of the test run for errors, anomalies or information about the program’s non-functional attributes. </a:t>
             </a:r>
           </a:p>
           <a:p>
             <a:r>
-              <a:rPr lang="en-GB" sz="2200" dirty="0" smtClean="0"/>
+              <a:rPr lang="en-GB" sz="2200" dirty="0"/>
               <a:t>Can reveal the presence of errors NOT their </a:t>
             </a:r>
             <a:br>
-              <a:rPr lang="en-GB" sz="2200" dirty="0" smtClean="0"/>
+              <a:rPr lang="en-GB" sz="2200" dirty="0"/>
             </a:br>
             <a:r>
-              <a:rPr lang="en-GB" sz="2200" dirty="0" smtClean="0"/>
+              <a:rPr lang="en-GB" sz="2200" dirty="0"/>
               <a:t>absence.</a:t>
             </a:r>
           </a:p>
           <a:p>
             <a:r>
-              <a:rPr lang="en-GB" sz="2200" dirty="0" smtClean="0"/>
+              <a:rPr lang="en-GB" sz="2200" dirty="0"/>
               <a:t>Testing is part of a more general verification and validation process, which also includes static validation techniques.</a:t>
             </a:r>
-            <a:endParaRPr lang="en-GB" sz="2200" i="1" dirty="0" smtClean="0"/>
+            <a:endParaRPr lang="en-GB" sz="2200" i="1" dirty="0"/>
           </a:p>
           <a:p>
             <a:endParaRPr lang="en-US" dirty="0"/>
@@ -10563,10 +9974,9 @@
           <a:lstStyle/>
           <a:p>
             <a:r>
-              <a:rPr lang="en-US" smtClean="0"/>
+              <a:rPr lang="en-US"/>
               <a:t>Chapter 8 Software testing</a:t>
             </a:r>
-            <a:endParaRPr lang="en-US"/>
           </a:p>
         </p:txBody>
       </p:sp>
@@ -10599,13 +10009,6 @@
   <p:clrMapOvr>
     <a:overrideClrMapping bg1="lt1" tx1="dk1" bg2="lt2" tx2="dk2" accent1="accent1" accent2="accent2" accent3="accent3" accent4="accent4" accent5="accent5" accent6="accent6" hlink="hlink" folHlink="folHlink"/>
   </p:clrMapOvr>
-  <p:timing>
-    <p:tnLst>
-      <p:par>
-        <p:cTn id="1" dur="indefinite" restart="never" nodeType="tmRoot"/>
-      </p:par>
-    </p:tnLst>
-  </p:timing>
 </p:sld>
 </file>
 
@@ -10649,10 +10052,9 @@
           <a:lstStyle/>
           <a:p>
             <a:r>
-              <a:rPr lang="en-US" dirty="0" smtClean="0"/>
+              <a:rPr lang="en-US" dirty="0"/>
               <a:t>Agile methods and acceptance testing</a:t>
             </a:r>
-            <a:endParaRPr lang="en-US" dirty="0"/>
           </a:p>
         </p:txBody>
       </p:sp>
@@ -10674,32 +10076,32 @@
           <a:lstStyle/>
           <a:p>
             <a:r>
-              <a:rPr lang="en-US" dirty="0" smtClean="0"/>
+              <a:rPr lang="en-US" dirty="0"/>
               <a:t>In agile methods, the user/customer is part of the development team and is responsible for making decisions on the acceptability of the system.</a:t>
             </a:r>
           </a:p>
           <a:p>
             <a:r>
-              <a:rPr lang="en-US" dirty="0" smtClean="0"/>
+              <a:rPr lang="en-US" dirty="0"/>
               <a:t>Tests are defined by the user/customer and are integrated with other tests in that they are run automatically when changes are made.</a:t>
             </a:r>
           </a:p>
           <a:p>
             <a:r>
-              <a:rPr lang="en-US" dirty="0" smtClean="0"/>
+              <a:rPr lang="en-US" dirty="0"/>
               <a:t>There is no separate acceptance testing process.</a:t>
             </a:r>
           </a:p>
           <a:p>
             <a:r>
-              <a:rPr lang="en-US" dirty="0" smtClean="0"/>
+              <a:rPr lang="en-US" dirty="0"/>
               <a:t>Main problem here is whether or not the embedded user is ‘typical’ and can represent the interests of all system </a:t>
             </a:r>
             <a:r>
-              <a:rPr lang="en-US" smtClean="0"/>
+              <a:rPr lang="en-US"/>
               <a:t>stakeholders.</a:t>
             </a:r>
-            <a:endParaRPr lang="en-US" dirty="0" smtClean="0"/>
+            <a:endParaRPr lang="en-US" dirty="0"/>
           </a:p>
         </p:txBody>
       </p:sp>
@@ -10719,10 +10121,9 @@
           <a:lstStyle/>
           <a:p>
             <a:r>
-              <a:rPr lang="en-US" smtClean="0"/>
+              <a:rPr lang="en-US"/>
               <a:t>Chapter 8 Software testing</a:t>
             </a:r>
-            <a:endParaRPr lang="en-US"/>
           </a:p>
         </p:txBody>
       </p:sp>
@@ -10755,13 +10156,6 @@
   <p:clrMapOvr>
     <a:overrideClrMapping bg1="lt1" tx1="dk1" bg2="lt2" tx2="dk2" accent1="accent1" accent2="accent2" accent3="accent3" accent4="accent4" accent5="accent5" accent6="accent6" hlink="hlink" folHlink="folHlink"/>
   </p:clrMapOvr>
-  <p:timing>
-    <p:tnLst>
-      <p:par>
-        <p:cTn id="1" dur="indefinite" restart="never" nodeType="tmRoot"/>
-      </p:par>
-    </p:tnLst>
-  </p:timing>
 </p:sld>
 </file>
 
@@ -10803,10 +10197,9 @@
           <a:lstStyle/>
           <a:p>
             <a:r>
-              <a:rPr lang="en-US" dirty="0" smtClean="0"/>
+              <a:rPr lang="en-US" dirty="0"/>
               <a:t>Key points</a:t>
             </a:r>
-            <a:endParaRPr lang="en-US" dirty="0"/>
           </a:p>
         </p:txBody>
       </p:sp>
@@ -10828,38 +10221,38 @@
           <a:lstStyle/>
           <a:p>
             <a:r>
-              <a:rPr lang="en-US" sz="2000" dirty="0" smtClean="0"/>
+              <a:rPr lang="en-US" sz="2000" dirty="0"/>
               <a:t>When testing software, you should try to ‘break’ the software by using experience and guidelines to choose types of test case that have been effective in discovering defects in other systems.</a:t>
             </a:r>
-            <a:endParaRPr lang="en-GB" sz="2000" dirty="0" smtClean="0"/>
-          </a:p>
-          <a:p>
-            <a:r>
-              <a:rPr lang="en-US" sz="2000" dirty="0" smtClean="0"/>
+            <a:endParaRPr lang="en-GB" sz="2000" dirty="0"/>
+          </a:p>
+          <a:p>
+            <a:r>
+              <a:rPr lang="en-US" sz="2000" dirty="0"/>
               <a:t>Wherever possible, you should write automated tests. The tests are embedded in a program that can be run every time a change is made to a system.</a:t>
             </a:r>
-            <a:endParaRPr lang="en-GB" sz="2000" dirty="0" smtClean="0"/>
-          </a:p>
-          <a:p>
-            <a:r>
-              <a:rPr lang="en-US" sz="2000" dirty="0" smtClean="0"/>
+            <a:endParaRPr lang="en-GB" sz="2000" dirty="0"/>
+          </a:p>
+          <a:p>
+            <a:r>
+              <a:rPr lang="en-US" sz="2000" dirty="0"/>
               <a:t>Test-first development is an approach to development where tests are written before the code to be tested. </a:t>
             </a:r>
-            <a:endParaRPr lang="en-GB" sz="2000" dirty="0" smtClean="0"/>
-          </a:p>
-          <a:p>
-            <a:r>
-              <a:rPr lang="en-US" sz="2000" dirty="0" smtClean="0"/>
+            <a:endParaRPr lang="en-GB" sz="2000" dirty="0"/>
+          </a:p>
+          <a:p>
+            <a:r>
+              <a:rPr lang="en-US" sz="2000" dirty="0"/>
               <a:t>Scenario testing involves inventing a typical usage scenario and using this to derive test cases.</a:t>
             </a:r>
-            <a:endParaRPr lang="en-GB" sz="2000" dirty="0" smtClean="0"/>
-          </a:p>
-          <a:p>
-            <a:r>
-              <a:rPr lang="en-US" sz="2000" dirty="0" smtClean="0"/>
+            <a:endParaRPr lang="en-GB" sz="2000" dirty="0"/>
+          </a:p>
+          <a:p>
+            <a:r>
+              <a:rPr lang="en-US" sz="2000" dirty="0"/>
               <a:t>Acceptance testing is a user testing process where the aim is to decide if the software is good enough to be deployed and used in its operational environment.</a:t>
             </a:r>
-            <a:endParaRPr lang="en-GB" sz="2000" dirty="0" smtClean="0"/>
+            <a:endParaRPr lang="en-GB" sz="2000" dirty="0"/>
           </a:p>
         </p:txBody>
       </p:sp>
@@ -10879,10 +10272,9 @@
           <a:lstStyle/>
           <a:p>
             <a:r>
-              <a:rPr lang="en-US" smtClean="0"/>
+              <a:rPr lang="en-US"/>
               <a:t>Chapter 8 Software testing</a:t>
             </a:r>
-            <a:endParaRPr lang="en-US"/>
           </a:p>
         </p:txBody>
       </p:sp>
@@ -10915,13 +10307,6 @@
   <p:clrMapOvr>
     <a:overrideClrMapping bg1="lt1" tx1="dk1" bg2="lt2" tx2="dk2" accent1="accent1" accent2="accent2" accent3="accent3" accent4="accent4" accent5="accent5" accent6="accent6" hlink="hlink" folHlink="folHlink"/>
   </p:clrMapOvr>
-  <p:timing>
-    <p:tnLst>
-      <p:par>
-        <p:cTn id="1" dur="indefinite" restart="never" nodeType="tmRoot"/>
-      </p:par>
-    </p:tnLst>
-  </p:timing>
 </p:sld>
 </file>
 
@@ -10963,10 +10348,9 @@
           <a:lstStyle/>
           <a:p>
             <a:r>
-              <a:rPr lang="en-US" dirty="0" smtClean="0"/>
+              <a:rPr lang="en-US" dirty="0"/>
               <a:t>Program testing goals</a:t>
             </a:r>
-            <a:endParaRPr lang="en-US" dirty="0"/>
           </a:p>
         </p:txBody>
       </p:sp>
@@ -10988,13 +10372,13 @@
           <a:lstStyle/>
           <a:p>
             <a:r>
-              <a:rPr lang="en-US" dirty="0" smtClean="0"/>
+              <a:rPr lang="en-US" dirty="0"/>
               <a:t>To demonstrate to the developer and the customer that the software meets its requirements. </a:t>
             </a:r>
           </a:p>
           <a:p>
             <a:r>
-              <a:rPr lang="en-US" dirty="0" smtClean="0"/>
+              <a:rPr lang="en-US" dirty="0"/>
               <a:t>To discover situations in which the behavior of the software is incorrect, undesirable or does not conform to its specification. </a:t>
             </a:r>
           </a:p>
@@ -11016,10 +10400,9 @@
           <a:lstStyle/>
           <a:p>
             <a:r>
-              <a:rPr lang="en-US" smtClean="0"/>
+              <a:rPr lang="en-US"/>
               <a:t>Chapter 8 Software testing</a:t>
             </a:r>
-            <a:endParaRPr lang="en-US"/>
           </a:p>
         </p:txBody>
       </p:sp>
@@ -11052,13 +10435,6 @@
   <p:clrMapOvr>
     <a:overrideClrMapping bg1="lt1" tx1="dk1" bg2="lt2" tx2="dk2" accent1="accent1" accent2="accent2" accent3="accent3" accent4="accent4" accent5="accent5" accent6="accent6" hlink="hlink" folHlink="folHlink"/>
   </p:clrMapOvr>
-  <p:timing>
-    <p:tnLst>
-      <p:par>
-        <p:cTn id="1" dur="indefinite" restart="never" nodeType="tmRoot"/>
-      </p:par>
-    </p:tnLst>
-  </p:timing>
 </p:sld>
 </file>
 
@@ -11102,11 +10478,11 @@
           <a:lstStyle/>
           <a:p>
             <a:r>
-              <a:rPr lang="en-US" dirty="0" smtClean="0"/>
+              <a:rPr lang="en-US" dirty="0"/>
               <a:t>The first goal leads to </a:t>
             </a:r>
             <a:r>
-              <a:rPr lang="en-US" dirty="0" smtClean="0">
+              <a:rPr lang="en-US" dirty="0">
                 <a:solidFill>
                   <a:srgbClr val="FF0000"/>
                 </a:solidFill>
@@ -11116,11 +10492,11 @@
           </a:p>
           <a:p>
             <a:r>
-              <a:rPr lang="en-US" dirty="0" smtClean="0"/>
+              <a:rPr lang="en-US" dirty="0"/>
               <a:t>The second goal leads to </a:t>
             </a:r>
             <a:r>
-              <a:rPr lang="en-US" dirty="0" smtClean="0">
+              <a:rPr lang="en-US" dirty="0">
                 <a:solidFill>
                   <a:srgbClr val="FF0000"/>
                 </a:solidFill>
@@ -11146,10 +10522,9 @@
           <a:lstStyle/>
           <a:p>
             <a:r>
-              <a:rPr lang="en-US" smtClean="0"/>
+              <a:rPr lang="en-US"/>
               <a:t>Chapter 8 Software testing</a:t>
             </a:r>
-            <a:endParaRPr lang="en-US"/>
           </a:p>
         </p:txBody>
       </p:sp>
@@ -11201,13 +10576,6 @@
   <p:clrMapOvr>
     <a:overrideClrMapping bg1="lt1" tx1="dk1" bg2="lt2" tx2="dk2" accent1="accent1" accent2="accent2" accent3="accent3" accent4="accent4" accent5="accent5" accent6="accent6" hlink="hlink" folHlink="folHlink"/>
   </p:clrMapOvr>
-  <p:timing>
-    <p:tnLst>
-      <p:par>
-        <p:cTn id="1" dur="indefinite" restart="never" nodeType="tmRoot"/>
-      </p:par>
-    </p:tnLst>
-  </p:timing>
 </p:sld>
 </file>
 
@@ -11283,11 +10651,7 @@
             <a:pPr lvl="1"/>
             <a:r>
               <a:rPr lang="en-US" sz="2000" dirty="0"/>
-              <a:t>To demonstrate to the developer and the system customer that the software meets its </a:t>
-            </a:r>
-            <a:r>
-              <a:rPr lang="en-US" sz="2000" dirty="0" smtClean="0"/>
-              <a:t>requirements </a:t>
+              <a:t>To demonstrate to the developer and the system customer that the software meets its requirements </a:t>
             </a:r>
           </a:p>
           <a:p>
@@ -11311,19 +10675,7 @@
             <a:pPr lvl="1"/>
             <a:r>
               <a:rPr lang="en-US" sz="2000" dirty="0"/>
-              <a:t>To discover faults or defects in the software where its </a:t>
-            </a:r>
-            <a:r>
-              <a:rPr lang="en-US" sz="2000" dirty="0" smtClean="0"/>
-              <a:t>behavior </a:t>
-            </a:r>
-            <a:r>
-              <a:rPr lang="en-US" sz="2000" dirty="0"/>
-              <a:t>is incorrect or not in conformance with its </a:t>
-            </a:r>
-            <a:r>
-              <a:rPr lang="en-US" sz="2000" dirty="0" smtClean="0"/>
-              <a:t>specification </a:t>
+              <a:t>To discover faults or defects in the software where its behavior is incorrect or not in conformance with its specification </a:t>
             </a:r>
           </a:p>
           <a:p>
@@ -11351,10 +10703,9 @@
           <a:lstStyle/>
           <a:p>
             <a:r>
-              <a:rPr lang="en-US" smtClean="0"/>
+              <a:rPr lang="en-US"/>
               <a:t>Chapter 8 Software testing</a:t>
             </a:r>
-            <a:endParaRPr lang="en-US"/>
           </a:p>
         </p:txBody>
       </p:sp>
@@ -11387,13 +10738,6 @@
   <p:clrMapOvr>
     <a:overrideClrMapping bg1="lt1" tx1="dk1" bg2="lt2" tx2="dk2" accent1="accent1" accent2="accent2" accent3="accent3" accent4="accent4" accent5="accent5" accent6="accent6" hlink="hlink" folHlink="folHlink"/>
   </p:clrMapOvr>
-  <p:timing>
-    <p:tnLst>
-      <p:par>
-        <p:cTn id="1" dur="indefinite" restart="never" nodeType="tmRoot"/>
-      </p:par>
-    </p:tnLst>
-  </p:timing>
 </p:sld>
 </file>
 
@@ -11480,27 +10824,15 @@
               <a:rPr lang="en-GB" dirty="0"/>
             </a:br>
             <a:r>
-              <a:rPr lang="en-GB" dirty="0" smtClean="0"/>
-              <a:t>"</a:t>
-            </a:r>
-            <a:r>
               <a:rPr lang="en-GB" dirty="0"/>
-              <a:t>Are we building the product right</a:t>
-            </a:r>
-            <a:r>
-              <a:rPr lang="en-GB" dirty="0" smtClean="0"/>
-              <a:t>”.</a:t>
+              <a:t>"Are we building the product right”.</a:t>
             </a:r>
           </a:p>
           <a:p>
             <a:pPr lvl="1"/>
             <a:r>
-              <a:rPr lang="en-GB" dirty="0" smtClean="0"/>
-              <a:t>The </a:t>
-            </a:r>
-            <a:r>
               <a:rPr lang="en-GB" dirty="0"/>
-              <a:t>software should conform to its specification.</a:t>
+              <a:t>The software should conform to its specification.</a:t>
             </a:r>
           </a:p>
           <a:p>
@@ -11520,12 +10852,8 @@
               <a:rPr lang="en-GB" dirty="0"/>
             </a:br>
             <a:r>
-              <a:rPr lang="en-GB" dirty="0" smtClean="0"/>
-              <a:t>"</a:t>
-            </a:r>
-            <a:r>
               <a:rPr lang="en-GB" dirty="0"/>
-              <a:t>Are we building the right product”.</a:t>
+              <a:t>"Are we building the right product”.</a:t>
             </a:r>
           </a:p>
           <a:p>
@@ -11553,10 +10881,9 @@
           <a:lstStyle/>
           <a:p>
             <a:r>
-              <a:rPr lang="en-US" smtClean="0"/>
+              <a:rPr lang="en-US"/>
               <a:t>Chapter 8 Software testing</a:t>
             </a:r>
-            <a:endParaRPr lang="en-US"/>
           </a:p>
         </p:txBody>
       </p:sp>
@@ -11590,13 +10917,6 @@
     <a:overrideClrMapping bg1="lt1" tx1="dk1" bg2="lt2" tx2="dk2" accent1="accent1" accent2="accent2" accent3="accent3" accent4="accent4" accent5="accent5" accent6="accent6" hlink="hlink" folHlink="folHlink"/>
   </p:clrMapOvr>
   <p:transition/>
-  <p:timing>
-    <p:tnLst>
-      <p:par>
-        <p:cTn id="1" dur="indefinite" restart="never" nodeType="tmRoot"/>
-      </p:par>
-    </p:tnLst>
-  </p:timing>
 </p:sld>
 </file>
 
@@ -11667,7 +10987,7 @@
               </a:lnSpc>
             </a:pPr>
             <a:r>
-              <a:rPr lang="en-GB" dirty="0" smtClean="0"/>
+              <a:rPr lang="en-GB" dirty="0"/>
               <a:t>Aim of V &amp; V is to establish confidence that the system is ‘fit for purpose’.</a:t>
             </a:r>
           </a:p>
@@ -11678,12 +10998,8 @@
               </a:lnSpc>
             </a:pPr>
             <a:r>
-              <a:rPr lang="en-GB" dirty="0" smtClean="0"/>
-              <a:t>Depends </a:t>
-            </a:r>
-            <a:r>
               <a:rPr lang="en-GB" dirty="0"/>
-              <a:t>on system’s purpose, user expectations and marketing environment</a:t>
+              <a:t>Depends on system’s purpose, user expectations and marketing environment</a:t>
             </a:r>
           </a:p>
           <a:p>
@@ -11698,15 +11014,7 @@
                   <a:srgbClr val="000000"/>
                 </a:solidFill>
               </a:rPr>
-              <a:t>Software</a:t>
-            </a:r>
-            <a:r>
-              <a:rPr lang="en-GB" dirty="0" smtClean="0">
-                <a:solidFill>
-                  <a:srgbClr val="000000"/>
-                </a:solidFill>
-              </a:rPr>
-              <a:t> purpose</a:t>
+              <a:t>Software purpose</a:t>
             </a:r>
           </a:p>
           <a:p>
@@ -11790,10 +11098,9 @@
           <a:lstStyle/>
           <a:p>
             <a:r>
-              <a:rPr lang="en-US" smtClean="0"/>
+              <a:rPr lang="en-US"/>
               <a:t>Chapter 8 Software testing</a:t>
             </a:r>
-            <a:endParaRPr lang="en-US"/>
           </a:p>
         </p:txBody>
       </p:sp>
@@ -11826,13 +11133,6 @@
   <p:clrMapOvr>
     <a:overrideClrMapping bg1="lt1" tx1="dk1" bg2="lt2" tx2="dk2" accent1="accent1" accent2="accent2" accent3="accent3" accent4="accent4" accent5="accent5" accent6="accent6" hlink="hlink" folHlink="folHlink"/>
   </p:clrMapOvr>
-  <p:timing>
-    <p:tnLst>
-      <p:par>
-        <p:cTn id="1" dur="indefinite" restart="never" nodeType="tmRoot"/>
-      </p:par>
-    </p:tnLst>
-  </p:timing>
 </p:sld>
 </file>
 
